--- a/ascposter.pptx
+++ b/ascposter.pptx
@@ -7,7 +7,7 @@
   <p:sldIdLst>
     <p:sldId id="256" r:id="rId2"/>
   </p:sldIdLst>
-  <p:sldSz cx="38404800" cy="32918400"/>
+  <p:sldSz cx="49377600" cy="32918400"/>
   <p:notesSz cx="6858000" cy="9144000"/>
   <p:defaultTextStyle>
     <a:defPPr>
@@ -136,8 +136,8 @@
         </p:nvSpPr>
         <p:spPr>
           <a:xfrm>
-            <a:off x="2880360" y="5387342"/>
-            <a:ext cx="32644080" cy="11460480"/>
+            <a:off x="3703320" y="5387342"/>
+            <a:ext cx="41970960" cy="11460480"/>
           </a:xfrm>
         </p:spPr>
         <p:txBody>
@@ -168,8 +168,8 @@
         </p:nvSpPr>
         <p:spPr>
           <a:xfrm>
-            <a:off x="4800600" y="17289782"/>
-            <a:ext cx="28803600" cy="7947658"/>
+            <a:off x="6172200" y="17289782"/>
+            <a:ext cx="37033200" cy="7947658"/>
           </a:xfrm>
         </p:spPr>
         <p:txBody>
@@ -240,7 +240,7 @@
               <a:rPr lang="en-US" smtClean="0"/>
               <a:t>10/25/2018</a:t>
             </a:fld>
-            <a:endParaRPr lang="en-US"/>
+            <a:endParaRPr lang="en-US" dirty="0"/>
           </a:p>
         </p:txBody>
       </p:sp>
@@ -259,7 +259,7 @@
           <a:bodyPr/>
           <a:lstStyle/>
           <a:p>
-            <a:endParaRPr lang="en-US"/>
+            <a:endParaRPr lang="en-US" dirty="0"/>
           </a:p>
         </p:txBody>
       </p:sp>
@@ -282,7 +282,7 @@
               <a:rPr lang="en-US" smtClean="0"/>
               <a:t>‹#›</a:t>
             </a:fld>
-            <a:endParaRPr lang="en-US"/>
+            <a:endParaRPr lang="en-US" dirty="0"/>
           </a:p>
         </p:txBody>
       </p:sp>
@@ -410,7 +410,7 @@
               <a:rPr lang="en-US" smtClean="0"/>
               <a:t>10/25/2018</a:t>
             </a:fld>
-            <a:endParaRPr lang="en-US"/>
+            <a:endParaRPr lang="en-US" dirty="0"/>
           </a:p>
         </p:txBody>
       </p:sp>
@@ -429,7 +429,7 @@
           <a:bodyPr/>
           <a:lstStyle/>
           <a:p>
-            <a:endParaRPr lang="en-US"/>
+            <a:endParaRPr lang="en-US" dirty="0"/>
           </a:p>
         </p:txBody>
       </p:sp>
@@ -452,7 +452,7 @@
               <a:rPr lang="en-US" smtClean="0"/>
               <a:t>‹#›</a:t>
             </a:fld>
-            <a:endParaRPr lang="en-US"/>
+            <a:endParaRPr lang="en-US" dirty="0"/>
           </a:p>
         </p:txBody>
       </p:sp>
@@ -498,8 +498,8 @@
         </p:nvSpPr>
         <p:spPr>
           <a:xfrm>
-            <a:off x="27483437" y="1752600"/>
-            <a:ext cx="8281035" cy="27896822"/>
+            <a:off x="35335848" y="1752600"/>
+            <a:ext cx="10647045" cy="27896822"/>
           </a:xfrm>
         </p:spPr>
         <p:txBody>
@@ -526,8 +526,8 @@
         </p:nvSpPr>
         <p:spPr>
           <a:xfrm>
-            <a:off x="2640332" y="1752600"/>
-            <a:ext cx="24363045" cy="27896822"/>
+            <a:off x="3394713" y="1752600"/>
+            <a:ext cx="31323915" cy="27896822"/>
           </a:xfrm>
         </p:spPr>
         <p:txBody>
@@ -590,7 +590,7 @@
               <a:rPr lang="en-US" smtClean="0"/>
               <a:t>10/25/2018</a:t>
             </a:fld>
-            <a:endParaRPr lang="en-US"/>
+            <a:endParaRPr lang="en-US" dirty="0"/>
           </a:p>
         </p:txBody>
       </p:sp>
@@ -609,7 +609,7 @@
           <a:bodyPr/>
           <a:lstStyle/>
           <a:p>
-            <a:endParaRPr lang="en-US"/>
+            <a:endParaRPr lang="en-US" dirty="0"/>
           </a:p>
         </p:txBody>
       </p:sp>
@@ -632,7 +632,7 @@
               <a:rPr lang="en-US" smtClean="0"/>
               <a:t>‹#›</a:t>
             </a:fld>
-            <a:endParaRPr lang="en-US"/>
+            <a:endParaRPr lang="en-US" dirty="0"/>
           </a:p>
         </p:txBody>
       </p:sp>
@@ -760,7 +760,7 @@
               <a:rPr lang="en-US" smtClean="0"/>
               <a:t>10/25/2018</a:t>
             </a:fld>
-            <a:endParaRPr lang="en-US"/>
+            <a:endParaRPr lang="en-US" dirty="0"/>
           </a:p>
         </p:txBody>
       </p:sp>
@@ -779,7 +779,7 @@
           <a:bodyPr/>
           <a:lstStyle/>
           <a:p>
-            <a:endParaRPr lang="en-US"/>
+            <a:endParaRPr lang="en-US" dirty="0"/>
           </a:p>
         </p:txBody>
       </p:sp>
@@ -802,7 +802,7 @@
               <a:rPr lang="en-US" smtClean="0"/>
               <a:t>‹#›</a:t>
             </a:fld>
-            <a:endParaRPr lang="en-US"/>
+            <a:endParaRPr lang="en-US" dirty="0"/>
           </a:p>
         </p:txBody>
       </p:sp>
@@ -848,8 +848,8 @@
         </p:nvSpPr>
         <p:spPr>
           <a:xfrm>
-            <a:off x="2620330" y="8206749"/>
-            <a:ext cx="33124140" cy="13693138"/>
+            <a:off x="3368996" y="8206749"/>
+            <a:ext cx="42588180" cy="13693138"/>
           </a:xfrm>
         </p:spPr>
         <p:txBody>
@@ -880,8 +880,8 @@
         </p:nvSpPr>
         <p:spPr>
           <a:xfrm>
-            <a:off x="2620330" y="22029429"/>
-            <a:ext cx="33124140" cy="7200898"/>
+            <a:off x="3368996" y="22029429"/>
+            <a:ext cx="42588180" cy="7200898"/>
           </a:xfrm>
         </p:spPr>
         <p:txBody>
@@ -1004,7 +1004,7 @@
               <a:rPr lang="en-US" smtClean="0"/>
               <a:t>10/25/2018</a:t>
             </a:fld>
-            <a:endParaRPr lang="en-US"/>
+            <a:endParaRPr lang="en-US" dirty="0"/>
           </a:p>
         </p:txBody>
       </p:sp>
@@ -1023,7 +1023,7 @@
           <a:bodyPr/>
           <a:lstStyle/>
           <a:p>
-            <a:endParaRPr lang="en-US"/>
+            <a:endParaRPr lang="en-US" dirty="0"/>
           </a:p>
         </p:txBody>
       </p:sp>
@@ -1046,7 +1046,7 @@
               <a:rPr lang="en-US" smtClean="0"/>
               <a:t>‹#›</a:t>
             </a:fld>
-            <a:endParaRPr lang="en-US"/>
+            <a:endParaRPr lang="en-US" dirty="0"/>
           </a:p>
         </p:txBody>
       </p:sp>
@@ -1115,8 +1115,8 @@
         </p:nvSpPr>
         <p:spPr>
           <a:xfrm>
-            <a:off x="2640330" y="8763000"/>
-            <a:ext cx="16322040" cy="20886422"/>
+            <a:off x="3394710" y="8763000"/>
+            <a:ext cx="20985480" cy="20886422"/>
           </a:xfrm>
         </p:spPr>
         <p:txBody>
@@ -1172,8 +1172,8 @@
         </p:nvSpPr>
         <p:spPr>
           <a:xfrm>
-            <a:off x="19442430" y="8763000"/>
-            <a:ext cx="16322040" cy="20886422"/>
+            <a:off x="24997410" y="8763000"/>
+            <a:ext cx="20985480" cy="20886422"/>
           </a:xfrm>
         </p:spPr>
         <p:txBody>
@@ -1236,7 +1236,7 @@
               <a:rPr lang="en-US" smtClean="0"/>
               <a:t>10/25/2018</a:t>
             </a:fld>
-            <a:endParaRPr lang="en-US"/>
+            <a:endParaRPr lang="en-US" dirty="0"/>
           </a:p>
         </p:txBody>
       </p:sp>
@@ -1255,7 +1255,7 @@
           <a:bodyPr/>
           <a:lstStyle/>
           <a:p>
-            <a:endParaRPr lang="en-US"/>
+            <a:endParaRPr lang="en-US" dirty="0"/>
           </a:p>
         </p:txBody>
       </p:sp>
@@ -1278,7 +1278,7 @@
               <a:rPr lang="en-US" smtClean="0"/>
               <a:t>‹#›</a:t>
             </a:fld>
-            <a:endParaRPr lang="en-US"/>
+            <a:endParaRPr lang="en-US" dirty="0"/>
           </a:p>
         </p:txBody>
       </p:sp>
@@ -1324,8 +1324,8 @@
         </p:nvSpPr>
         <p:spPr>
           <a:xfrm>
-            <a:off x="2645332" y="1752607"/>
-            <a:ext cx="33124140" cy="6362702"/>
+            <a:off x="3401141" y="1752607"/>
+            <a:ext cx="42588180" cy="6362702"/>
           </a:xfrm>
         </p:spPr>
         <p:txBody>
@@ -1352,8 +1352,8 @@
         </p:nvSpPr>
         <p:spPr>
           <a:xfrm>
-            <a:off x="2645336" y="8069582"/>
-            <a:ext cx="16247028" cy="3954778"/>
+            <a:off x="3401146" y="8069582"/>
+            <a:ext cx="20889036" cy="3954778"/>
           </a:xfrm>
         </p:spPr>
         <p:txBody>
@@ -1417,8 +1417,8 @@
         </p:nvSpPr>
         <p:spPr>
           <a:xfrm>
-            <a:off x="2645336" y="12024360"/>
-            <a:ext cx="16247028" cy="17686022"/>
+            <a:off x="3401146" y="12024360"/>
+            <a:ext cx="20889036" cy="17686022"/>
           </a:xfrm>
         </p:spPr>
         <p:txBody>
@@ -1474,8 +1474,8 @@
         </p:nvSpPr>
         <p:spPr>
           <a:xfrm>
-            <a:off x="19442432" y="8069582"/>
-            <a:ext cx="16327042" cy="3954778"/>
+            <a:off x="24997413" y="8069582"/>
+            <a:ext cx="20991911" cy="3954778"/>
           </a:xfrm>
         </p:spPr>
         <p:txBody>
@@ -1539,8 +1539,8 @@
         </p:nvSpPr>
         <p:spPr>
           <a:xfrm>
-            <a:off x="19442432" y="12024360"/>
-            <a:ext cx="16327042" cy="17686022"/>
+            <a:off x="24997413" y="12024360"/>
+            <a:ext cx="20991911" cy="17686022"/>
           </a:xfrm>
         </p:spPr>
         <p:txBody>
@@ -1603,7 +1603,7 @@
               <a:rPr lang="en-US" smtClean="0"/>
               <a:t>10/25/2018</a:t>
             </a:fld>
-            <a:endParaRPr lang="en-US"/>
+            <a:endParaRPr lang="en-US" dirty="0"/>
           </a:p>
         </p:txBody>
       </p:sp>
@@ -1622,7 +1622,7 @@
           <a:bodyPr/>
           <a:lstStyle/>
           <a:p>
-            <a:endParaRPr lang="en-US"/>
+            <a:endParaRPr lang="en-US" dirty="0"/>
           </a:p>
         </p:txBody>
       </p:sp>
@@ -1645,7 +1645,7 @@
               <a:rPr lang="en-US" smtClean="0"/>
               <a:t>‹#›</a:t>
             </a:fld>
-            <a:endParaRPr lang="en-US"/>
+            <a:endParaRPr lang="en-US" dirty="0"/>
           </a:p>
         </p:txBody>
       </p:sp>
@@ -1721,7 +1721,7 @@
               <a:rPr lang="en-US" smtClean="0"/>
               <a:t>10/25/2018</a:t>
             </a:fld>
-            <a:endParaRPr lang="en-US"/>
+            <a:endParaRPr lang="en-US" dirty="0"/>
           </a:p>
         </p:txBody>
       </p:sp>
@@ -1740,7 +1740,7 @@
           <a:bodyPr/>
           <a:lstStyle/>
           <a:p>
-            <a:endParaRPr lang="en-US"/>
+            <a:endParaRPr lang="en-US" dirty="0"/>
           </a:p>
         </p:txBody>
       </p:sp>
@@ -1763,7 +1763,7 @@
               <a:rPr lang="en-US" smtClean="0"/>
               <a:t>‹#›</a:t>
             </a:fld>
-            <a:endParaRPr lang="en-US"/>
+            <a:endParaRPr lang="en-US" dirty="0"/>
           </a:p>
         </p:txBody>
       </p:sp>
@@ -1816,7 +1816,7 @@
               <a:rPr lang="en-US" smtClean="0"/>
               <a:t>10/25/2018</a:t>
             </a:fld>
-            <a:endParaRPr lang="en-US"/>
+            <a:endParaRPr lang="en-US" dirty="0"/>
           </a:p>
         </p:txBody>
       </p:sp>
@@ -1835,7 +1835,7 @@
           <a:bodyPr/>
           <a:lstStyle/>
           <a:p>
-            <a:endParaRPr lang="en-US"/>
+            <a:endParaRPr lang="en-US" dirty="0"/>
           </a:p>
         </p:txBody>
       </p:sp>
@@ -1858,7 +1858,7 @@
               <a:rPr lang="en-US" smtClean="0"/>
               <a:t>‹#›</a:t>
             </a:fld>
-            <a:endParaRPr lang="en-US"/>
+            <a:endParaRPr lang="en-US" dirty="0"/>
           </a:p>
         </p:txBody>
       </p:sp>
@@ -1904,8 +1904,8 @@
         </p:nvSpPr>
         <p:spPr>
           <a:xfrm>
-            <a:off x="2645332" y="2194560"/>
-            <a:ext cx="12386548" cy="7680960"/>
+            <a:off x="3401141" y="2194560"/>
+            <a:ext cx="15925562" cy="7680960"/>
           </a:xfrm>
         </p:spPr>
         <p:txBody>
@@ -1936,8 +1936,8 @@
         </p:nvSpPr>
         <p:spPr>
           <a:xfrm>
-            <a:off x="16327042" y="4739647"/>
-            <a:ext cx="19442430" cy="23393400"/>
+            <a:off x="20991911" y="4739647"/>
+            <a:ext cx="24997410" cy="23393400"/>
           </a:xfrm>
         </p:spPr>
         <p:txBody>
@@ -2021,8 +2021,8 @@
         </p:nvSpPr>
         <p:spPr>
           <a:xfrm>
-            <a:off x="2645332" y="9875520"/>
-            <a:ext cx="12386548" cy="18295622"/>
+            <a:off x="3401141" y="9875520"/>
+            <a:ext cx="15925562" cy="18295622"/>
           </a:xfrm>
         </p:spPr>
         <p:txBody>
@@ -2093,7 +2093,7 @@
               <a:rPr lang="en-US" smtClean="0"/>
               <a:t>10/25/2018</a:t>
             </a:fld>
-            <a:endParaRPr lang="en-US"/>
+            <a:endParaRPr lang="en-US" dirty="0"/>
           </a:p>
         </p:txBody>
       </p:sp>
@@ -2112,7 +2112,7 @@
           <a:bodyPr/>
           <a:lstStyle/>
           <a:p>
-            <a:endParaRPr lang="en-US"/>
+            <a:endParaRPr lang="en-US" dirty="0"/>
           </a:p>
         </p:txBody>
       </p:sp>
@@ -2135,7 +2135,7 @@
               <a:rPr lang="en-US" smtClean="0"/>
               <a:t>‹#›</a:t>
             </a:fld>
-            <a:endParaRPr lang="en-US"/>
+            <a:endParaRPr lang="en-US" dirty="0"/>
           </a:p>
         </p:txBody>
       </p:sp>
@@ -2181,8 +2181,8 @@
         </p:nvSpPr>
         <p:spPr>
           <a:xfrm>
-            <a:off x="2645332" y="2194560"/>
-            <a:ext cx="12386548" cy="7680960"/>
+            <a:off x="3401141" y="2194560"/>
+            <a:ext cx="15925562" cy="7680960"/>
           </a:xfrm>
         </p:spPr>
         <p:txBody>
@@ -2213,8 +2213,8 @@
         </p:nvSpPr>
         <p:spPr>
           <a:xfrm>
-            <a:off x="16327042" y="4739647"/>
-            <a:ext cx="19442430" cy="23393400"/>
+            <a:off x="20991911" y="4739647"/>
+            <a:ext cx="24997410" cy="23393400"/>
           </a:xfrm>
         </p:spPr>
         <p:txBody>
@@ -2259,10 +2259,9 @@
           </a:lstStyle>
           <a:p>
             <a:r>
-              <a:rPr lang="en-US"/>
+              <a:rPr lang="en-US" dirty="0"/>
               <a:t>Click icon to add picture</a:t>
             </a:r>
-            <a:endParaRPr lang="en-US" dirty="0"/>
           </a:p>
         </p:txBody>
       </p:sp>
@@ -2278,8 +2277,8 @@
         </p:nvSpPr>
         <p:spPr>
           <a:xfrm>
-            <a:off x="2645332" y="9875520"/>
-            <a:ext cx="12386548" cy="18295622"/>
+            <a:off x="3401141" y="9875520"/>
+            <a:ext cx="15925562" cy="18295622"/>
           </a:xfrm>
         </p:spPr>
         <p:txBody>
@@ -2350,7 +2349,7 @@
               <a:rPr lang="en-US" smtClean="0"/>
               <a:t>10/25/2018</a:t>
             </a:fld>
-            <a:endParaRPr lang="en-US"/>
+            <a:endParaRPr lang="en-US" dirty="0"/>
           </a:p>
         </p:txBody>
       </p:sp>
@@ -2369,7 +2368,7 @@
           <a:bodyPr/>
           <a:lstStyle/>
           <a:p>
-            <a:endParaRPr lang="en-US"/>
+            <a:endParaRPr lang="en-US" dirty="0"/>
           </a:p>
         </p:txBody>
       </p:sp>
@@ -2392,7 +2391,7 @@
               <a:rPr lang="en-US" smtClean="0"/>
               <a:t>‹#›</a:t>
             </a:fld>
-            <a:endParaRPr lang="en-US"/>
+            <a:endParaRPr lang="en-US" dirty="0"/>
           </a:p>
         </p:txBody>
       </p:sp>
@@ -2443,8 +2442,8 @@
         </p:nvSpPr>
         <p:spPr>
           <a:xfrm>
-            <a:off x="2640330" y="1752607"/>
-            <a:ext cx="33124140" cy="6362702"/>
+            <a:off x="3394710" y="1752607"/>
+            <a:ext cx="42588180" cy="6362702"/>
           </a:xfrm>
           <a:prstGeom prst="rect">
             <a:avLst/>
@@ -2476,8 +2475,8 @@
         </p:nvSpPr>
         <p:spPr>
           <a:xfrm>
-            <a:off x="2640330" y="8763000"/>
-            <a:ext cx="33124140" cy="20886422"/>
+            <a:off x="3394710" y="8763000"/>
+            <a:ext cx="42588180" cy="20886422"/>
           </a:xfrm>
           <a:prstGeom prst="rect">
             <a:avLst/>
@@ -2538,8 +2537,8 @@
         </p:nvSpPr>
         <p:spPr>
           <a:xfrm>
-            <a:off x="2640330" y="30510487"/>
-            <a:ext cx="8641080" cy="1752600"/>
+            <a:off x="3394710" y="30510487"/>
+            <a:ext cx="11109960" cy="1752600"/>
           </a:xfrm>
           <a:prstGeom prst="rect">
             <a:avLst/>
@@ -2563,7 +2562,7 @@
               <a:rPr lang="en-US" smtClean="0"/>
               <a:t>10/25/2018</a:t>
             </a:fld>
-            <a:endParaRPr lang="en-US"/>
+            <a:endParaRPr lang="en-US" dirty="0"/>
           </a:p>
         </p:txBody>
       </p:sp>
@@ -2579,8 +2578,8 @@
         </p:nvSpPr>
         <p:spPr>
           <a:xfrm>
-            <a:off x="12721590" y="30510487"/>
-            <a:ext cx="12961620" cy="1752600"/>
+            <a:off x="16356330" y="30510487"/>
+            <a:ext cx="16664940" cy="1752600"/>
           </a:xfrm>
           <a:prstGeom prst="rect">
             <a:avLst/>
@@ -2600,7 +2599,7 @@
             </a:lvl1pPr>
           </a:lstStyle>
           <a:p>
-            <a:endParaRPr lang="en-US"/>
+            <a:endParaRPr lang="en-US" dirty="0"/>
           </a:p>
         </p:txBody>
       </p:sp>
@@ -2616,8 +2615,8 @@
         </p:nvSpPr>
         <p:spPr>
           <a:xfrm>
-            <a:off x="27123390" y="30510487"/>
-            <a:ext cx="8641080" cy="1752600"/>
+            <a:off x="34872930" y="30510487"/>
+            <a:ext cx="11109960" cy="1752600"/>
           </a:xfrm>
           <a:prstGeom prst="rect">
             <a:avLst/>
@@ -2641,7 +2640,7 @@
               <a:rPr lang="en-US" smtClean="0"/>
               <a:t>‹#›</a:t>
             </a:fld>
-            <a:endParaRPr lang="en-US"/>
+            <a:endParaRPr lang="en-US" dirty="0"/>
           </a:p>
         </p:txBody>
       </p:sp>
@@ -2971,7 +2970,7 @@
           <p:cNvPr id="2" name="Title 1">
             <a:extLst>
               <a:ext uri="{FF2B5EF4-FFF2-40B4-BE49-F238E27FC236}">
-                <a16:creationId xmlns:a16="http://schemas.microsoft.com/office/drawing/2014/main" id="{FCC37658-D889-4787-938D-4A913827E45E}"/>
+                <a16:creationId xmlns:a16="http://schemas.microsoft.com/office/drawing/2014/main" xmlns="" id="{FCC37658-D889-4787-938D-4A913827E45E}"/>
               </a:ext>
             </a:extLst>
           </p:cNvPr>
@@ -2984,8 +2983,8 @@
         </p:nvSpPr>
         <p:spPr>
           <a:xfrm>
-            <a:off x="2880360" y="97961"/>
-            <a:ext cx="32644080" cy="4408715"/>
+            <a:off x="3703320" y="97962"/>
+            <a:ext cx="41970960" cy="4408715"/>
           </a:xfrm>
         </p:spPr>
         <p:txBody>
@@ -2995,9 +2994,33 @@
           <a:lstStyle/>
           <a:p>
             <a:r>
-              <a:rPr lang="en-US" sz="9600" dirty="0"/>
-              <a:t>Dynamic Modular Model of a Field Regulated Reluctance Flywheel Energy Storage System Utilizing a Superconductor Levitation Bearing</a:t>
-            </a:r>
+              <a:rPr lang="en-US" sz="9600" b="1" dirty="0"/>
+              <a:t>Dynamic Modular Model of a Field Regulated Reluctance Flywheel Energy Storage System Utilizing a Superconductor Levitation </a:t>
+            </a:r>
+            <a:r>
+              <a:rPr lang="en-US" sz="9600" b="1" dirty="0" smtClean="0"/>
+              <a:t>Bearing</a:t>
+            </a:r>
+            <a:r>
+              <a:rPr lang="en-US" sz="9600" dirty="0" smtClean="0"/>
+              <a:t/>
+            </a:r>
+            <a:br>
+              <a:rPr lang="en-US" sz="9600" dirty="0" smtClean="0"/>
+            </a:br>
+            <a:r>
+              <a:rPr lang="en-US" sz="4800" dirty="0" smtClean="0"/>
+              <a:t>D. D. Arnett, D. J. Morehouse, C. </a:t>
+            </a:r>
+            <a:r>
+              <a:rPr lang="en-US" sz="4800" dirty="0" smtClean="0"/>
+              <a:t>Berven</a:t>
+            </a:r>
+            <a:r>
+              <a:rPr lang="en-US" sz="4800" dirty="0" smtClean="0"/>
+              <a:t>, H. L. Hess</a:t>
+            </a:r>
+            <a:endParaRPr lang="en-US" sz="9600" dirty="0"/>
           </a:p>
         </p:txBody>
       </p:sp>
@@ -3006,7 +3029,7 @@
           <p:cNvPr id="4" name="Rectangle 3">
             <a:extLst>
               <a:ext uri="{FF2B5EF4-FFF2-40B4-BE49-F238E27FC236}">
-                <a16:creationId xmlns:a16="http://schemas.microsoft.com/office/drawing/2014/main" id="{577EA7DD-E1E0-4C5F-9CB3-F40BFDC3407D}"/>
+                <a16:creationId xmlns:a16="http://schemas.microsoft.com/office/drawing/2014/main" xmlns="" id="{577EA7DD-E1E0-4C5F-9CB3-F40BFDC3407D}"/>
               </a:ext>
             </a:extLst>
           </p:cNvPr>
@@ -3015,8 +3038,8 @@
         </p:nvSpPr>
         <p:spPr>
           <a:xfrm>
-            <a:off x="15300530" y="5290457"/>
-            <a:ext cx="7984013" cy="391405"/>
+            <a:off x="19672110" y="5290458"/>
+            <a:ext cx="10265160" cy="207749"/>
           </a:xfrm>
           <a:prstGeom prst="rect">
             <a:avLst/>
@@ -3054,14 +3077,16 @@
       </p:sp>
       <p:pic>
         <p:nvPicPr>
-          <p:cNvPr id="5" name="Picture 4">
+          <p:cNvPr id="7" name="Picture 6">
             <a:extLst>
               <a:ext uri="{FF2B5EF4-FFF2-40B4-BE49-F238E27FC236}">
-                <a16:creationId xmlns:a16="http://schemas.microsoft.com/office/drawing/2014/main" id="{94CA2CCA-962A-44CB-83AC-1C25A27B7936}"/>
+                <a16:creationId xmlns:a16="http://schemas.microsoft.com/office/drawing/2014/main" xmlns="" id="{B945EFF8-215F-44AB-8AE8-FE8D7525E423}"/>
               </a:ext>
             </a:extLst>
           </p:cNvPr>
-          <p:cNvPicPr/>
+          <p:cNvPicPr>
+            <a:picLocks noChangeAspect="1"/>
+          </p:cNvPicPr>
           <p:nvPr/>
         </p:nvPicPr>
         <p:blipFill>
@@ -3078,8 +3103,8 @@
         </p:blipFill>
         <p:spPr>
           <a:xfrm>
-            <a:off x="24590829" y="13953755"/>
-            <a:ext cx="19724914" cy="13184331"/>
+            <a:off x="1109739" y="3665429"/>
+            <a:ext cx="6278614" cy="7911111"/>
           </a:xfrm>
           <a:prstGeom prst="rect">
             <a:avLst/>
@@ -3088,10 +3113,10 @@
       </p:pic>
       <p:pic>
         <p:nvPicPr>
-          <p:cNvPr id="7" name="Picture 6">
+          <p:cNvPr id="9" name="Picture 8">
             <a:extLst>
               <a:ext uri="{FF2B5EF4-FFF2-40B4-BE49-F238E27FC236}">
-                <a16:creationId xmlns:a16="http://schemas.microsoft.com/office/drawing/2014/main" id="{B945EFF8-215F-44AB-8AE8-FE8D7525E423}"/>
+                <a16:creationId xmlns:a16="http://schemas.microsoft.com/office/drawing/2014/main" xmlns="" id="{FE480B10-AA08-47A5-9462-48E9E9187A64}"/>
               </a:ext>
             </a:extLst>
           </p:cNvPr>
@@ -3101,7 +3126,7 @@
           <p:nvPr/>
         </p:nvPicPr>
         <p:blipFill>
-          <a:blip r:embed="rId3">
+          <a:blip r:embed="rId3" cstate="print">
             <a:extLst>
               <a:ext uri="{28A0092B-C50C-407E-A947-70E740481C1C}">
                 <a14:useLocalDpi xmlns:a14="http://schemas.microsoft.com/office/drawing/2010/main" val="0"/>
@@ -3114,8 +3139,8 @@
         </p:blipFill>
         <p:spPr>
           <a:xfrm>
-            <a:off x="1176057" y="4506676"/>
-            <a:ext cx="6400000" cy="7911111"/>
+            <a:off x="797761" y="29622751"/>
+            <a:ext cx="5266944" cy="2544536"/>
           </a:xfrm>
           <a:prstGeom prst="rect">
             <a:avLst/>
@@ -3124,10 +3149,10 @@
       </p:pic>
       <p:pic>
         <p:nvPicPr>
-          <p:cNvPr id="9" name="Picture 8">
+          <p:cNvPr id="11" name="Picture 10">
             <a:extLst>
               <a:ext uri="{FF2B5EF4-FFF2-40B4-BE49-F238E27FC236}">
-                <a16:creationId xmlns:a16="http://schemas.microsoft.com/office/drawing/2014/main" id="{FE480B10-AA08-47A5-9462-48E9E9187A64}"/>
+                <a16:creationId xmlns:a16="http://schemas.microsoft.com/office/drawing/2014/main" xmlns="" id="{4E76FA9C-77C5-47BB-9470-FB1A3A289923}"/>
               </a:ext>
             </a:extLst>
           </p:cNvPr>
@@ -3137,7 +3162,7 @@
           <p:nvPr/>
         </p:nvPicPr>
         <p:blipFill>
-          <a:blip r:embed="rId4">
+          <a:blip r:embed="rId4" cstate="print">
             <a:extLst>
               <a:ext uri="{28A0092B-C50C-407E-A947-70E740481C1C}">
                 <a14:useLocalDpi xmlns:a14="http://schemas.microsoft.com/office/drawing/2010/main" val="0"/>
@@ -3150,30 +3175,1626 @@
         </p:blipFill>
         <p:spPr>
           <a:xfrm>
-            <a:off x="0" y="29677129"/>
-            <a:ext cx="5089072" cy="2544536"/>
+            <a:off x="40094192" y="30426875"/>
+            <a:ext cx="8229617" cy="1740412"/>
           </a:xfrm>
           <a:prstGeom prst="rect">
             <a:avLst/>
           </a:prstGeom>
         </p:spPr>
       </p:pic>
-      <p:pic>
-        <p:nvPicPr>
-          <p:cNvPr id="11" name="Picture 10">
+      <p:sp>
+        <p:nvSpPr>
+          <p:cNvPr id="12" name="TextBox 11">
             <a:extLst>
               <a:ext uri="{FF2B5EF4-FFF2-40B4-BE49-F238E27FC236}">
-                <a16:creationId xmlns:a16="http://schemas.microsoft.com/office/drawing/2014/main" id="{4E76FA9C-77C5-47BB-9470-FB1A3A289923}"/>
+                <a16:creationId xmlns:a16="http://schemas.microsoft.com/office/drawing/2014/main" xmlns="" id="{DE88CE75-0DA2-429C-AC96-30EF2BF23F68}"/>
               </a:ext>
             </a:extLst>
           </p:cNvPr>
+          <p:cNvSpPr txBox="1"/>
+          <p:nvPr/>
+        </p:nvSpPr>
+        <p:spPr>
+          <a:xfrm>
+            <a:off x="797761" y="32167287"/>
+            <a:ext cx="6130220" cy="584775"/>
+          </a:xfrm>
+          <a:prstGeom prst="rect">
+            <a:avLst/>
+          </a:prstGeom>
+          <a:noFill/>
+        </p:spPr>
+        <p:txBody>
+          <a:bodyPr wrap="square" rtlCol="0">
+            <a:spAutoFit/>
+          </a:bodyPr>
+          <a:lstStyle/>
+          <a:p>
+            <a:r>
+              <a:rPr lang="en-US" sz="3200" dirty="0" smtClean="0"/>
+              <a:t>         Grant</a:t>
+            </a:r>
+            <a:r>
+              <a:rPr lang="en-US" sz="3200" dirty="0"/>
+              <a:t>#: NNX15AR81A</a:t>
+            </a:r>
+          </a:p>
+        </p:txBody>
+      </p:sp>
+      <mc:AlternateContent xmlns:mc="http://schemas.openxmlformats.org/markup-compatibility/2006">
+        <mc:Choice xmlns:a14="http://schemas.microsoft.com/office/drawing/2010/main" Requires="a14">
+          <p:sp>
+            <p:nvSpPr>
+              <p:cNvPr id="3" name="TextBox 2"/>
+              <p:cNvSpPr txBox="1"/>
+              <p:nvPr/>
+            </p:nvSpPr>
+            <p:spPr>
+              <a:xfrm>
+                <a:off x="1109738" y="12141904"/>
+                <a:ext cx="20637307" cy="17941258"/>
+              </a:xfrm>
+              <a:prstGeom prst="rect">
+                <a:avLst/>
+              </a:prstGeom>
+              <a:noFill/>
+            </p:spPr>
+            <p:txBody>
+              <a:bodyPr wrap="square" rtlCol="0">
+                <a:spAutoFit/>
+              </a:bodyPr>
+              <a:lstStyle/>
+              <a:p>
+                <a:pPr lvl="0" defTabSz="914400" eaLnBrk="0" fontAlgn="base" hangingPunct="0">
+                  <a:spcBef>
+                    <a:spcPct val="0"/>
+                  </a:spcBef>
+                  <a:spcAft>
+                    <a:spcPct val="0"/>
+                  </a:spcAft>
+                </a:pPr>
+                <a:r>
+                  <a:rPr lang="en-US" altLang="en-US" sz="5400" b="1" dirty="0" smtClean="0">
+                    <a:solidFill>
+                      <a:srgbClr val="000000"/>
+                    </a:solidFill>
+                  </a:rPr>
+                  <a:t>Developing a Modular Model</a:t>
+                </a:r>
+              </a:p>
+              <a:p>
+                <a:pPr lvl="0" defTabSz="914400" eaLnBrk="0" fontAlgn="base" hangingPunct="0">
+                  <a:spcBef>
+                    <a:spcPct val="0"/>
+                  </a:spcBef>
+                  <a:spcAft>
+                    <a:spcPct val="0"/>
+                  </a:spcAft>
+                  <a:buSzPct val="25000"/>
+                </a:pPr>
+                <a:r>
+                  <a:rPr lang="en-US" altLang="en-US" sz="5400" dirty="0">
+                    <a:solidFill>
+                      <a:srgbClr val="000000"/>
+                    </a:solidFill>
+                  </a:rPr>
+                  <a:t>Interactions of Interest</a:t>
+                </a:r>
+              </a:p>
+              <a:p>
+                <a:pPr marL="685800" lvl="0" indent="-685800" defTabSz="914400" eaLnBrk="0" fontAlgn="base" hangingPunct="0">
+                  <a:spcBef>
+                    <a:spcPct val="0"/>
+                  </a:spcBef>
+                  <a:spcAft>
+                    <a:spcPct val="0"/>
+                  </a:spcAft>
+                  <a:buSzPct val="80000"/>
+                  <a:buFont typeface="Arial" panose="020B0604020202020204" pitchFamily="34" charset="0"/>
+                  <a:buChar char="•"/>
+                </a:pPr>
+                <a:r>
+                  <a:rPr lang="en-US" altLang="en-US" sz="5400" dirty="0" smtClean="0">
+                    <a:solidFill>
+                      <a:srgbClr val="000000"/>
+                    </a:solidFill>
+                  </a:rPr>
+                  <a:t>	What </a:t>
+                </a:r>
+                <a:r>
+                  <a:rPr lang="en-US" altLang="en-US" sz="5400" dirty="0">
+                    <a:solidFill>
+                      <a:srgbClr val="000000"/>
+                    </a:solidFill>
+                  </a:rPr>
+                  <a:t>is the model intended for?</a:t>
+                </a:r>
+              </a:p>
+              <a:p>
+                <a:pPr marL="685800" lvl="0" indent="-685800" defTabSz="914400" eaLnBrk="0" fontAlgn="base" hangingPunct="0">
+                  <a:spcBef>
+                    <a:spcPct val="0"/>
+                  </a:spcBef>
+                  <a:spcAft>
+                    <a:spcPct val="0"/>
+                  </a:spcAft>
+                  <a:buSzPct val="80000"/>
+                  <a:buFont typeface="Arial" panose="020B0604020202020204" pitchFamily="34" charset="0"/>
+                  <a:buChar char="•"/>
+                </a:pPr>
+                <a:r>
+                  <a:rPr lang="en-US" altLang="en-US" sz="5400" dirty="0" smtClean="0">
+                    <a:solidFill>
+                      <a:srgbClr val="000000"/>
+                    </a:solidFill>
+                  </a:rPr>
+                  <a:t>	What </a:t>
+                </a:r>
+                <a:r>
+                  <a:rPr lang="en-US" altLang="en-US" sz="5400" dirty="0">
+                    <a:solidFill>
+                      <a:srgbClr val="000000"/>
+                    </a:solidFill>
+                  </a:rPr>
+                  <a:t>will the output of the model be?</a:t>
+                </a:r>
+              </a:p>
+              <a:p>
+                <a:pPr lvl="0" defTabSz="914400" eaLnBrk="0" fontAlgn="base" hangingPunct="0">
+                  <a:spcBef>
+                    <a:spcPct val="0"/>
+                  </a:spcBef>
+                  <a:spcAft>
+                    <a:spcPct val="0"/>
+                  </a:spcAft>
+                  <a:buSzPts val="1000"/>
+                </a:pPr>
+                <a:r>
+                  <a:rPr lang="en-US" altLang="en-US" sz="5400" dirty="0" smtClean="0">
+                    <a:solidFill>
+                      <a:srgbClr val="000000"/>
+                    </a:solidFill>
+                  </a:rPr>
+                  <a:t>Components </a:t>
+                </a:r>
+                <a:r>
+                  <a:rPr lang="en-US" altLang="en-US" sz="5400" dirty="0">
+                    <a:solidFill>
+                      <a:srgbClr val="000000"/>
+                    </a:solidFill>
+                  </a:rPr>
+                  <a:t>Involved</a:t>
+                </a:r>
+              </a:p>
+              <a:p>
+                <a:pPr marL="685800" lvl="0" indent="-685800" defTabSz="914400" eaLnBrk="0" fontAlgn="base" hangingPunct="0">
+                  <a:spcBef>
+                    <a:spcPct val="0"/>
+                  </a:spcBef>
+                  <a:spcAft>
+                    <a:spcPct val="0"/>
+                  </a:spcAft>
+                  <a:buSzPct val="80000"/>
+                  <a:buFont typeface="Arial" panose="020B0604020202020204" pitchFamily="34" charset="0"/>
+                  <a:buChar char="•"/>
+                </a:pPr>
+                <a:r>
+                  <a:rPr lang="en-US" altLang="en-US" sz="5400" dirty="0" smtClean="0">
+                    <a:solidFill>
+                      <a:srgbClr val="000000"/>
+                    </a:solidFill>
+                  </a:rPr>
+                  <a:t>	What </a:t>
+                </a:r>
+                <a:r>
+                  <a:rPr lang="en-US" altLang="en-US" sz="5400" dirty="0">
+                    <a:solidFill>
+                      <a:srgbClr val="000000"/>
+                    </a:solidFill>
+                  </a:rPr>
+                  <a:t>components in the system </a:t>
+                </a:r>
+                <a:endParaRPr lang="en-US" altLang="en-US" sz="5400" dirty="0" smtClean="0">
+                  <a:solidFill>
+                    <a:srgbClr val="000000"/>
+                  </a:solidFill>
+                </a:endParaRPr>
+              </a:p>
+              <a:p>
+                <a:pPr lvl="0" defTabSz="914400" eaLnBrk="0" fontAlgn="base" hangingPunct="0">
+                  <a:spcBef>
+                    <a:spcPct val="0"/>
+                  </a:spcBef>
+                  <a:spcAft>
+                    <a:spcPct val="0"/>
+                  </a:spcAft>
+                  <a:buSzPct val="80000"/>
+                </a:pPr>
+                <a:r>
+                  <a:rPr lang="en-US" altLang="en-US" sz="5400" dirty="0" smtClean="0">
+                    <a:solidFill>
+                      <a:srgbClr val="000000"/>
+                    </a:solidFill>
+                  </a:rPr>
+                  <a:t>are </a:t>
+                </a:r>
+                <a:r>
+                  <a:rPr lang="en-US" altLang="en-US" sz="5400" dirty="0">
+                    <a:solidFill>
+                      <a:srgbClr val="000000"/>
+                    </a:solidFill>
+                  </a:rPr>
+                  <a:t>involved in the interactions?</a:t>
+                </a:r>
+              </a:p>
+              <a:p>
+                <a:pPr marL="685800" lvl="0" indent="-685800" defTabSz="914400" eaLnBrk="0" fontAlgn="base" hangingPunct="0">
+                  <a:spcBef>
+                    <a:spcPct val="0"/>
+                  </a:spcBef>
+                  <a:spcAft>
+                    <a:spcPct val="0"/>
+                  </a:spcAft>
+                  <a:buSzPct val="80000"/>
+                  <a:buFont typeface="Arial" panose="020B0604020202020204" pitchFamily="34" charset="0"/>
+                  <a:buChar char="•"/>
+                </a:pPr>
+                <a:r>
+                  <a:rPr lang="en-US" altLang="en-US" sz="5400" dirty="0" smtClean="0">
+                    <a:solidFill>
+                      <a:srgbClr val="000000"/>
+                    </a:solidFill>
+                  </a:rPr>
+                  <a:t>	What </a:t>
+                </a:r>
+                <a:r>
+                  <a:rPr lang="en-US" altLang="en-US" sz="5400" dirty="0">
+                    <a:solidFill>
+                      <a:srgbClr val="000000"/>
+                    </a:solidFill>
+                  </a:rPr>
+                  <a:t>parameters are involved in the </a:t>
+                </a:r>
+                <a:endParaRPr lang="en-US" altLang="en-US" sz="5400" dirty="0" smtClean="0">
+                  <a:solidFill>
+                    <a:srgbClr val="000000"/>
+                  </a:solidFill>
+                </a:endParaRPr>
+              </a:p>
+              <a:p>
+                <a:pPr lvl="0" defTabSz="914400" eaLnBrk="0" fontAlgn="base" hangingPunct="0">
+                  <a:spcBef>
+                    <a:spcPct val="0"/>
+                  </a:spcBef>
+                  <a:spcAft>
+                    <a:spcPct val="0"/>
+                  </a:spcAft>
+                  <a:buSzPct val="80000"/>
+                </a:pPr>
+                <a:r>
+                  <a:rPr lang="en-US" altLang="en-US" sz="5400" dirty="0" smtClean="0">
+                    <a:solidFill>
+                      <a:srgbClr val="000000"/>
+                    </a:solidFill>
+                  </a:rPr>
+                  <a:t>prediction </a:t>
+                </a:r>
+                <a:r>
+                  <a:rPr lang="en-US" altLang="en-US" sz="5400" dirty="0">
+                    <a:solidFill>
+                      <a:srgbClr val="000000"/>
+                    </a:solidFill>
+                  </a:rPr>
+                  <a:t>of the interactions?</a:t>
+                </a:r>
+              </a:p>
+              <a:p>
+                <a:pPr lvl="0" defTabSz="914400" eaLnBrk="0" fontAlgn="base" hangingPunct="0">
+                  <a:spcBef>
+                    <a:spcPct val="0"/>
+                  </a:spcBef>
+                  <a:spcAft>
+                    <a:spcPct val="0"/>
+                  </a:spcAft>
+                  <a:buSzPts val="1000"/>
+                </a:pPr>
+                <a:r>
+                  <a:rPr lang="en-US" altLang="en-US" sz="5400" dirty="0">
+                    <a:solidFill>
+                      <a:srgbClr val="000000"/>
+                    </a:solidFill>
+                  </a:rPr>
+                  <a:t>Define the </a:t>
+                </a:r>
+                <a:r>
+                  <a:rPr lang="en-US" altLang="en-US" sz="5400" dirty="0" smtClean="0">
+                    <a:solidFill>
+                      <a:srgbClr val="000000"/>
+                    </a:solidFill>
+                  </a:rPr>
+                  <a:t>Components</a:t>
+                </a:r>
+              </a:p>
+              <a:p>
+                <a:pPr marL="685800" lvl="0" indent="-685800" defTabSz="914400" eaLnBrk="0" fontAlgn="base" hangingPunct="0">
+                  <a:spcBef>
+                    <a:spcPct val="0"/>
+                  </a:spcBef>
+                  <a:spcAft>
+                    <a:spcPct val="0"/>
+                  </a:spcAft>
+                  <a:buSzPct val="80000"/>
+                  <a:buFont typeface="Arial" panose="020B0604020202020204" pitchFamily="34" charset="0"/>
+                  <a:buChar char="•"/>
+                </a:pPr>
+                <a:r>
+                  <a:rPr lang="en-US" altLang="en-US" sz="5400" dirty="0" smtClean="0">
+                    <a:solidFill>
+                      <a:srgbClr val="000000"/>
+                    </a:solidFill>
+                  </a:rPr>
+                  <a:t>A collection </a:t>
+                </a:r>
+                <a:r>
+                  <a:rPr lang="en-US" altLang="en-US" sz="5400" dirty="0">
+                    <a:solidFill>
+                      <a:srgbClr val="000000"/>
+                    </a:solidFill>
+                  </a:rPr>
+                  <a:t>of </a:t>
+                </a:r>
+                <a:r>
+                  <a:rPr lang="en-US" altLang="en-US" sz="5400" dirty="0" smtClean="0">
+                    <a:solidFill>
+                      <a:srgbClr val="000000"/>
+                    </a:solidFill>
+                  </a:rPr>
+                  <a:t>parameters</a:t>
+                </a:r>
+              </a:p>
+              <a:p>
+                <a:pPr marL="1143000" lvl="1" indent="-685800" defTabSz="914400" eaLnBrk="0" fontAlgn="base" hangingPunct="0">
+                  <a:spcBef>
+                    <a:spcPct val="0"/>
+                  </a:spcBef>
+                  <a:spcAft>
+                    <a:spcPct val="0"/>
+                  </a:spcAft>
+                  <a:buSzPct val="80000"/>
+                  <a:buFont typeface="Courier New" panose="02070309020205020404" pitchFamily="49" charset="0"/>
+                  <a:buChar char="o"/>
+                </a:pPr>
+                <a:r>
+                  <a:rPr lang="en-US" altLang="en-US" sz="5400" dirty="0" smtClean="0">
+                    <a:solidFill>
+                      <a:srgbClr val="000000"/>
+                    </a:solidFill>
+                  </a:rPr>
+                  <a:t>Flexibility</a:t>
+                </a:r>
+              </a:p>
+              <a:p>
+                <a:pPr marL="1143000" lvl="1" indent="-685800" defTabSz="914400" eaLnBrk="0" fontAlgn="base" hangingPunct="0">
+                  <a:spcBef>
+                    <a:spcPct val="0"/>
+                  </a:spcBef>
+                  <a:spcAft>
+                    <a:spcPct val="0"/>
+                  </a:spcAft>
+                  <a:buSzPct val="80000"/>
+                  <a:buFont typeface="Courier New" panose="02070309020205020404" pitchFamily="49" charset="0"/>
+                  <a:buChar char="o"/>
+                </a:pPr>
+                <a:r>
+                  <a:rPr lang="en-US" altLang="en-US" sz="5400" dirty="0" smtClean="0">
+                    <a:solidFill>
+                      <a:srgbClr val="000000"/>
+                    </a:solidFill>
+                  </a:rPr>
+                  <a:t>Critical </a:t>
+                </a:r>
+                <a:r>
+                  <a:rPr lang="en-US" altLang="en-US" sz="5400" dirty="0">
+                    <a:solidFill>
+                      <a:srgbClr val="000000"/>
+                    </a:solidFill>
+                  </a:rPr>
+                  <a:t>for </a:t>
+                </a:r>
+                <a:r>
+                  <a:rPr lang="en-US" altLang="en-US" sz="5400" dirty="0" smtClean="0">
+                    <a:solidFill>
+                      <a:srgbClr val="000000"/>
+                    </a:solidFill>
+                  </a:rPr>
+                  <a:t>the </a:t>
+                </a:r>
+                <a:r>
+                  <a:rPr lang="en-US" altLang="en-US" sz="5400" dirty="0">
+                    <a:solidFill>
+                      <a:srgbClr val="000000"/>
+                    </a:solidFill>
+                  </a:rPr>
+                  <a:t>calculation of an </a:t>
+                </a:r>
+                <a:r>
+                  <a:rPr lang="en-US" altLang="en-US" sz="5400" dirty="0" smtClean="0">
+                    <a:solidFill>
+                      <a:srgbClr val="000000"/>
+                    </a:solidFill>
+                  </a:rPr>
+                  <a:t>interaction</a:t>
+                </a:r>
+              </a:p>
+              <a:p>
+                <a:pPr defTabSz="914400" eaLnBrk="0" fontAlgn="base" hangingPunct="0">
+                  <a:spcBef>
+                    <a:spcPct val="0"/>
+                  </a:spcBef>
+                  <a:spcAft>
+                    <a:spcPct val="0"/>
+                  </a:spcAft>
+                </a:pPr>
+                <a:r>
+                  <a:rPr lang="en-US" altLang="en-US" sz="5400" dirty="0" smtClean="0">
+                    <a:solidFill>
+                      <a:srgbClr val="000000"/>
+                    </a:solidFill>
+                  </a:rPr>
+                  <a:t>Define </a:t>
+                </a:r>
+                <a:r>
+                  <a:rPr lang="en-US" altLang="en-US" sz="5400" dirty="0">
+                    <a:solidFill>
+                      <a:srgbClr val="000000"/>
+                    </a:solidFill>
+                  </a:rPr>
+                  <a:t>the </a:t>
+                </a:r>
+                <a:r>
+                  <a:rPr lang="en-US" altLang="en-US" sz="5400" dirty="0" smtClean="0">
+                    <a:solidFill>
+                      <a:srgbClr val="000000"/>
+                    </a:solidFill>
+                  </a:rPr>
+                  <a:t>Interactions</a:t>
+                </a:r>
+                <a:endParaRPr lang="en-US" altLang="en-US" sz="5400" dirty="0">
+                  <a:solidFill>
+                    <a:srgbClr val="000000"/>
+                  </a:solidFill>
+                </a:endParaRPr>
+              </a:p>
+              <a:p>
+                <a:pPr marL="685800" lvl="0" indent="-685800" defTabSz="914400" eaLnBrk="0" fontAlgn="base" hangingPunct="0">
+                  <a:spcBef>
+                    <a:spcPct val="0"/>
+                  </a:spcBef>
+                  <a:spcAft>
+                    <a:spcPct val="0"/>
+                  </a:spcAft>
+                  <a:buSzPct val="80000"/>
+                  <a:buFont typeface="Arial" panose="020B0604020202020204" pitchFamily="34" charset="0"/>
+                  <a:buChar char="•"/>
+                </a:pPr>
+                <a:r>
+                  <a:rPr lang="en-US" altLang="en-US" sz="5400" dirty="0">
+                    <a:solidFill>
+                      <a:srgbClr val="000000"/>
+                    </a:solidFill>
+                  </a:rPr>
+                  <a:t>Physical Definition</a:t>
+                </a:r>
+                <a:endParaRPr lang="en-US" altLang="en-US" sz="5400" dirty="0">
+                  <a:solidFill>
+                    <a:srgbClr val="000000"/>
+                  </a:solidFill>
+                </a:endParaRPr>
+              </a:p>
+              <a:p>
+                <a:pPr lvl="0" defTabSz="914400" eaLnBrk="0" fontAlgn="base" hangingPunct="0">
+                  <a:spcBef>
+                    <a:spcPct val="0"/>
+                  </a:spcBef>
+                  <a:spcAft>
+                    <a:spcPct val="0"/>
+                  </a:spcAft>
+                  <a:buSzPts val="1000"/>
+                </a:pPr>
+                <a14:m>
+                  <m:oMathPara xmlns:m="http://schemas.openxmlformats.org/officeDocument/2006/math">
+                    <m:oMathParaPr>
+                      <m:jc m:val="left"/>
+                    </m:oMathParaPr>
+                    <m:oMath xmlns:m="http://schemas.openxmlformats.org/officeDocument/2006/math">
+                      <m:r>
+                        <a:rPr lang="en-US" altLang="en-US" sz="5400" b="0" i="1" dirty="0" smtClean="0">
+                          <a:solidFill>
+                            <a:srgbClr val="000000"/>
+                          </a:solidFill>
+                          <a:latin typeface="Cambria Math"/>
+                        </a:rPr>
+                        <m:t>            </m:t>
+                      </m:r>
+                      <m:r>
+                        <a:rPr lang="en-US" altLang="en-US" sz="5400" i="1" dirty="0" smtClean="0">
+                          <a:solidFill>
+                            <a:srgbClr val="000000"/>
+                          </a:solidFill>
+                          <a:latin typeface="Cambria Math"/>
+                        </a:rPr>
+                        <m:t>𝑇</m:t>
+                      </m:r>
+                      <m:r>
+                        <a:rPr lang="en-US" altLang="en-US" sz="5400" i="1" dirty="0" smtClean="0">
+                          <a:solidFill>
+                            <a:srgbClr val="000000"/>
+                          </a:solidFill>
+                          <a:latin typeface="Cambria Math"/>
+                        </a:rPr>
+                        <m:t> = −</m:t>
+                      </m:r>
+                      <m:f>
+                        <m:fPr>
+                          <m:ctrlPr>
+                            <a:rPr lang="en-US" altLang="en-US" sz="5400" i="1" dirty="0">
+                              <a:solidFill>
+                                <a:srgbClr val="000000"/>
+                              </a:solidFill>
+                              <a:latin typeface="Cambria Math"/>
+                            </a:rPr>
+                          </m:ctrlPr>
+                        </m:fPr>
+                        <m:num>
+                          <m:r>
+                            <a:rPr lang="en-US" altLang="en-US" sz="5400" i="1" dirty="0" err="1">
+                              <a:solidFill>
+                                <a:srgbClr val="000000"/>
+                              </a:solidFill>
+                              <a:latin typeface="Cambria Math"/>
+                            </a:rPr>
+                            <m:t>𝑑𝑊</m:t>
+                          </m:r>
+                        </m:num>
+                        <m:den>
+                          <m:r>
+                            <a:rPr lang="en-US" altLang="en-US" sz="5400" i="1" dirty="0">
+                              <a:solidFill>
+                                <a:srgbClr val="000000"/>
+                              </a:solidFill>
+                              <a:latin typeface="Cambria Math"/>
+                            </a:rPr>
+                            <m:t>𝑑</m:t>
+                          </m:r>
+                          <m:r>
+                            <a:rPr lang="el-GR" altLang="en-US" sz="5400" i="1" noProof="1">
+                              <a:solidFill>
+                                <a:srgbClr val="000000"/>
+                              </a:solidFill>
+                              <a:latin typeface="Cambria Math"/>
+                            </a:rPr>
+                            <m:t>𝜃</m:t>
+                          </m:r>
+                        </m:den>
+                      </m:f>
+                    </m:oMath>
+                  </m:oMathPara>
+                </a14:m>
+                <a:endParaRPr lang="en-US" altLang="en-US" sz="5400" i="1" noProof="1">
+                  <a:solidFill>
+                    <a:srgbClr val="000000"/>
+                  </a:solidFill>
+                </a:endParaRPr>
+              </a:p>
+              <a:p>
+                <a:pPr marL="685800" lvl="0" indent="-685800" defTabSz="914400" eaLnBrk="0" fontAlgn="base" hangingPunct="0">
+                  <a:spcBef>
+                    <a:spcPct val="0"/>
+                  </a:spcBef>
+                  <a:spcAft>
+                    <a:spcPct val="0"/>
+                  </a:spcAft>
+                  <a:buSzPct val="80000"/>
+                  <a:buFont typeface="Arial" panose="020B0604020202020204" pitchFamily="34" charset="0"/>
+                  <a:buChar char="•"/>
+                </a:pPr>
+                <a:r>
+                  <a:rPr lang="en-US" altLang="en-US" sz="5400" noProof="1">
+                    <a:solidFill>
+                      <a:srgbClr val="000000"/>
+                    </a:solidFill>
+                  </a:rPr>
+                  <a:t>Mathematical Abstractions</a:t>
+                </a:r>
+                <a:endParaRPr lang="en-US" altLang="en-US" sz="5400" dirty="0">
+                  <a:solidFill>
+                    <a:srgbClr val="000000"/>
+                  </a:solidFill>
+                </a:endParaRPr>
+              </a:p>
+              <a:p>
+                <a:pPr lvl="0" defTabSz="914400" eaLnBrk="0" fontAlgn="base" hangingPunct="0">
+                  <a:spcBef>
+                    <a:spcPct val="0"/>
+                  </a:spcBef>
+                  <a:spcAft>
+                    <a:spcPct val="0"/>
+                  </a:spcAft>
+                  <a:buSzPts val="1000"/>
+                </a:pPr>
+                <a14:m>
+                  <m:oMathPara xmlns:m="http://schemas.openxmlformats.org/officeDocument/2006/math">
+                    <m:oMathParaPr>
+                      <m:jc m:val="left"/>
+                    </m:oMathParaPr>
+                    <m:oMath xmlns:m="http://schemas.openxmlformats.org/officeDocument/2006/math">
+                      <m:r>
+                        <a:rPr lang="en-US" altLang="en-US" sz="5400" b="0" i="1" noProof="1" smtClean="0">
+                          <a:solidFill>
+                            <a:srgbClr val="000000"/>
+                          </a:solidFill>
+                          <a:latin typeface="Cambria Math"/>
+                        </a:rPr>
+                        <m:t>           </m:t>
+                      </m:r>
+                    </m:oMath>
+                  </m:oMathPara>
+                </a14:m>
+                <a:endParaRPr lang="en-US" altLang="en-US" sz="5400" b="0" i="1" noProof="1" smtClean="0">
+                  <a:solidFill>
+                    <a:srgbClr val="000000"/>
+                  </a:solidFill>
+                  <a:latin typeface="Cambria Math"/>
+                </a:endParaRPr>
+              </a:p>
+              <a:p>
+                <a:pPr lvl="0" defTabSz="914400" eaLnBrk="0" fontAlgn="base" hangingPunct="0">
+                  <a:spcBef>
+                    <a:spcPct val="0"/>
+                  </a:spcBef>
+                  <a:spcAft>
+                    <a:spcPct val="0"/>
+                  </a:spcAft>
+                  <a:buSzPts val="1000"/>
+                </a:pPr>
+                <a:r>
+                  <a:rPr lang="en-US" altLang="en-US" sz="5400" noProof="1" smtClean="0">
+                    <a:solidFill>
+                      <a:srgbClr val="000000"/>
+                    </a:solidFill>
+                  </a:rPr>
+                  <a:t>          </a:t>
+                </a:r>
+                <a14:m>
+                  <m:oMath xmlns:m="http://schemas.openxmlformats.org/officeDocument/2006/math">
+                    <m:r>
+                      <a:rPr lang="en-US" altLang="en-US" sz="5400" i="1" noProof="1" smtClean="0">
+                        <a:solidFill>
+                          <a:srgbClr val="000000"/>
+                        </a:solidFill>
+                        <a:latin typeface="Cambria Math"/>
+                      </a:rPr>
+                      <m:t>𝑇</m:t>
+                    </m:r>
+                    <m:r>
+                      <a:rPr lang="en-US" altLang="en-US" sz="5400" i="1" noProof="1" smtClean="0">
+                        <a:solidFill>
+                          <a:srgbClr val="000000"/>
+                        </a:solidFill>
+                        <a:latin typeface="Cambria Math"/>
+                      </a:rPr>
+                      <m:t> = </m:t>
+                    </m:r>
+                    <m:d>
+                      <m:dPr>
+                        <m:ctrlPr>
+                          <a:rPr lang="en-US" altLang="en-US" sz="5400" i="1" dirty="0">
+                            <a:solidFill>
+                              <a:srgbClr val="000000"/>
+                            </a:solidFill>
+                            <a:latin typeface="Cambria Math"/>
+                          </a:rPr>
+                        </m:ctrlPr>
+                      </m:dPr>
+                      <m:e>
+                        <m:f>
+                          <m:fPr>
+                            <m:ctrlPr>
+                              <a:rPr lang="en-US" altLang="en-US" sz="5400" i="1" dirty="0">
+                                <a:solidFill>
+                                  <a:srgbClr val="000000"/>
+                                </a:solidFill>
+                                <a:latin typeface="Cambria Math"/>
+                              </a:rPr>
+                            </m:ctrlPr>
+                          </m:fPr>
+                          <m:num>
+                            <m:r>
+                              <a:rPr lang="en-US" altLang="en-US" sz="5400" i="1" dirty="0">
+                                <a:solidFill>
+                                  <a:srgbClr val="000000"/>
+                                </a:solidFill>
+                                <a:latin typeface="Cambria Math"/>
+                              </a:rPr>
+                              <m:t>1</m:t>
+                            </m:r>
+                          </m:num>
+                          <m:den>
+                            <m:r>
+                              <a:rPr lang="en-US" altLang="en-US" sz="5400" i="1" dirty="0">
+                                <a:solidFill>
+                                  <a:srgbClr val="000000"/>
+                                </a:solidFill>
+                                <a:latin typeface="Cambria Math"/>
+                              </a:rPr>
+                              <m:t>2</m:t>
+                            </m:r>
+                          </m:den>
+                        </m:f>
+                      </m:e>
+                    </m:d>
+                    <m:sSup>
+                      <m:sSupPr>
+                        <m:ctrlPr>
+                          <a:rPr lang="en-US" altLang="en-US" sz="5400" i="1" dirty="0" smtClean="0">
+                            <a:solidFill>
+                              <a:srgbClr val="000000"/>
+                            </a:solidFill>
+                            <a:latin typeface="Cambria Math"/>
+                          </a:rPr>
+                        </m:ctrlPr>
+                      </m:sSupPr>
+                      <m:e>
+                        <m:d>
+                          <m:dPr>
+                            <m:begChr m:val="["/>
+                            <m:endChr m:val="]"/>
+                            <m:ctrlPr>
+                              <a:rPr lang="en-US" altLang="en-US" sz="5400" i="1" dirty="0">
+                                <a:solidFill>
+                                  <a:srgbClr val="000000"/>
+                                </a:solidFill>
+                                <a:latin typeface="Cambria Math"/>
+                              </a:rPr>
+                            </m:ctrlPr>
+                          </m:dPr>
+                          <m:e>
+                            <m:sSub>
+                              <m:sSubPr>
+                                <m:ctrlPr>
+                                  <a:rPr lang="en-US" altLang="en-US" sz="5400" i="1" dirty="0">
+                                    <a:solidFill>
+                                      <a:srgbClr val="000000"/>
+                                    </a:solidFill>
+                                    <a:latin typeface="Cambria Math"/>
+                                  </a:rPr>
+                                </m:ctrlPr>
+                              </m:sSubPr>
+                              <m:e>
+                                <m:r>
+                                  <a:rPr lang="en-US" altLang="en-US" sz="5400" i="1" dirty="0">
+                                    <a:solidFill>
+                                      <a:srgbClr val="000000"/>
+                                    </a:solidFill>
+                                    <a:latin typeface="Cambria Math"/>
+                                  </a:rPr>
+                                  <m:t>𝑖</m:t>
+                                </m:r>
+                              </m:e>
+                              <m:sub>
+                                <m:r>
+                                  <a:rPr lang="en-US" altLang="en-US" sz="5400" i="1" dirty="0">
+                                    <a:solidFill>
+                                      <a:srgbClr val="000000"/>
+                                    </a:solidFill>
+                                    <a:latin typeface="Cambria Math"/>
+                                  </a:rPr>
+                                  <m:t>𝑠</m:t>
+                                </m:r>
+                              </m:sub>
+                            </m:sSub>
+                          </m:e>
+                        </m:d>
+                      </m:e>
+                      <m:sup>
+                        <m:r>
+                          <a:rPr lang="en-US" altLang="en-US" sz="5400" b="0" i="1" dirty="0" smtClean="0">
+                            <a:solidFill>
+                              <a:srgbClr val="000000"/>
+                            </a:solidFill>
+                            <a:latin typeface="Cambria Math"/>
+                          </a:rPr>
+                          <m:t>𝑇</m:t>
+                        </m:r>
+                      </m:sup>
+                    </m:sSup>
+                    <m:d>
+                      <m:dPr>
+                        <m:begChr m:val="["/>
+                        <m:endChr m:val="]"/>
+                        <m:ctrlPr>
+                          <a:rPr lang="en-US" altLang="en-US" sz="5400" i="1" dirty="0" smtClean="0">
+                            <a:solidFill>
+                              <a:srgbClr val="000000"/>
+                            </a:solidFill>
+                            <a:latin typeface="Cambria Math"/>
+                          </a:rPr>
+                        </m:ctrlPr>
+                      </m:dPr>
+                      <m:e>
+                        <m:f>
+                          <m:fPr>
+                            <m:ctrlPr>
+                              <a:rPr lang="en-US" altLang="en-US" sz="5400" i="1" dirty="0" smtClean="0">
+                                <a:solidFill>
+                                  <a:srgbClr val="000000"/>
+                                </a:solidFill>
+                                <a:latin typeface="Cambria Math"/>
+                              </a:rPr>
+                            </m:ctrlPr>
+                          </m:fPr>
+                          <m:num>
+                            <m:r>
+                              <a:rPr lang="en-US" altLang="en-US" sz="5400" i="1" dirty="0" smtClean="0">
+                                <a:solidFill>
+                                  <a:srgbClr val="000000"/>
+                                </a:solidFill>
+                                <a:latin typeface="Cambria Math"/>
+                                <a:ea typeface="Cambria Math"/>
+                              </a:rPr>
+                              <m:t>𝜕</m:t>
+                            </m:r>
+                            <m:r>
+                              <a:rPr lang="en-US" altLang="en-US" sz="5400" b="0" i="1" dirty="0" smtClean="0">
+                                <a:solidFill>
+                                  <a:srgbClr val="000000"/>
+                                </a:solidFill>
+                                <a:latin typeface="Cambria Math"/>
+                                <a:ea typeface="Cambria Math"/>
+                              </a:rPr>
+                              <m:t>𝐿</m:t>
+                            </m:r>
+                            <m:r>
+                              <a:rPr lang="en-US" altLang="en-US" sz="5400" b="0" i="1" dirty="0" smtClean="0">
+                                <a:solidFill>
+                                  <a:srgbClr val="000000"/>
+                                </a:solidFill>
+                                <a:latin typeface="Cambria Math"/>
+                                <a:ea typeface="Cambria Math"/>
+                              </a:rPr>
+                              <m:t>(</m:t>
+                            </m:r>
+                            <m:r>
+                              <a:rPr lang="en-US" altLang="en-US" sz="5400" b="0" i="1" dirty="0" smtClean="0">
+                                <a:solidFill>
+                                  <a:srgbClr val="000000"/>
+                                </a:solidFill>
+                                <a:latin typeface="Cambria Math"/>
+                                <a:ea typeface="Cambria Math"/>
+                              </a:rPr>
+                              <m:t>𝜃</m:t>
+                            </m:r>
+                            <m:r>
+                              <a:rPr lang="en-US" altLang="en-US" sz="5400" b="0" i="1" dirty="0" smtClean="0">
+                                <a:solidFill>
+                                  <a:srgbClr val="000000"/>
+                                </a:solidFill>
+                                <a:latin typeface="Cambria Math"/>
+                                <a:ea typeface="Cambria Math"/>
+                              </a:rPr>
+                              <m:t>)</m:t>
+                            </m:r>
+                          </m:num>
+                          <m:den>
+                            <m:r>
+                              <a:rPr lang="en-US" altLang="en-US" sz="5400" i="1" dirty="0" smtClean="0">
+                                <a:solidFill>
+                                  <a:srgbClr val="000000"/>
+                                </a:solidFill>
+                                <a:latin typeface="Cambria Math"/>
+                                <a:ea typeface="Cambria Math"/>
+                              </a:rPr>
+                              <m:t>𝜕𝜃</m:t>
+                            </m:r>
+                          </m:den>
+                        </m:f>
+                      </m:e>
+                    </m:d>
+                    <m:d>
+                      <m:dPr>
+                        <m:begChr m:val="["/>
+                        <m:endChr m:val="]"/>
+                        <m:ctrlPr>
+                          <a:rPr lang="en-US" altLang="en-US" sz="5400" i="1" dirty="0" smtClean="0">
+                            <a:solidFill>
+                              <a:srgbClr val="000000"/>
+                            </a:solidFill>
+                            <a:latin typeface="Cambria Math"/>
+                          </a:rPr>
+                        </m:ctrlPr>
+                      </m:dPr>
+                      <m:e>
+                        <m:sSub>
+                          <m:sSubPr>
+                            <m:ctrlPr>
+                              <a:rPr lang="en-US" altLang="en-US" sz="5400" i="1" dirty="0" smtClean="0">
+                                <a:solidFill>
+                                  <a:srgbClr val="000000"/>
+                                </a:solidFill>
+                                <a:latin typeface="Cambria Math"/>
+                              </a:rPr>
+                            </m:ctrlPr>
+                          </m:sSubPr>
+                          <m:e>
+                            <m:r>
+                              <a:rPr lang="en-US" altLang="en-US" sz="5400" b="0" i="1" dirty="0" smtClean="0">
+                                <a:solidFill>
+                                  <a:srgbClr val="000000"/>
+                                </a:solidFill>
+                                <a:latin typeface="Cambria Math"/>
+                              </a:rPr>
+                              <m:t>𝑖</m:t>
+                            </m:r>
+                          </m:e>
+                          <m:sub>
+                            <m:r>
+                              <a:rPr lang="en-US" altLang="en-US" sz="5400" b="0" i="1" dirty="0" smtClean="0">
+                                <a:solidFill>
+                                  <a:srgbClr val="000000"/>
+                                </a:solidFill>
+                                <a:latin typeface="Cambria Math"/>
+                              </a:rPr>
+                              <m:t>𝑠</m:t>
+                            </m:r>
+                          </m:sub>
+                        </m:sSub>
+                      </m:e>
+                    </m:d>
+                  </m:oMath>
+                </a14:m>
+                <a:endParaRPr lang="en-US" altLang="en-US" sz="5400" dirty="0">
+                  <a:solidFill>
+                    <a:srgbClr val="000000"/>
+                  </a:solidFill>
+                </a:endParaRPr>
+              </a:p>
+              <a:p>
+                <a:endParaRPr lang="en-US" dirty="0"/>
+              </a:p>
+            </p:txBody>
+          </p:sp>
+        </mc:Choice>
+        <mc:Fallback>
+          <p:sp>
+            <p:nvSpPr>
+              <p:cNvPr id="3" name="TextBox 2"/>
+              <p:cNvSpPr txBox="1">
+                <a:spLocks noRot="1" noChangeAspect="1" noMove="1" noResize="1" noEditPoints="1" noAdjustHandles="1" noChangeArrowheads="1" noChangeShapeType="1" noTextEdit="1"/>
+              </p:cNvSpPr>
+              <p:nvPr/>
+            </p:nvSpPr>
+            <p:spPr>
+              <a:xfrm>
+                <a:off x="1109738" y="12141904"/>
+                <a:ext cx="20637307" cy="17941258"/>
+              </a:xfrm>
+              <a:prstGeom prst="rect">
+                <a:avLst/>
+              </a:prstGeom>
+              <a:blipFill rotWithShape="1">
+                <a:blip r:embed="rId5"/>
+                <a:stretch>
+                  <a:fillRect l="-1566" t="-951"/>
+                </a:stretch>
+              </a:blipFill>
+            </p:spPr>
+            <p:txBody>
+              <a:bodyPr/>
+              <a:lstStyle/>
+              <a:p>
+                <a:r>
+                  <a:rPr lang="en-US">
+                    <a:noFill/>
+                  </a:rPr>
+                  <a:t> </a:t>
+                </a:r>
+              </a:p>
+            </p:txBody>
+          </p:sp>
+        </mc:Fallback>
+      </mc:AlternateContent>
+      <p:sp>
+        <p:nvSpPr>
+          <p:cNvPr id="6" name="TextBox 5"/>
+          <p:cNvSpPr txBox="1"/>
+          <p:nvPr/>
+        </p:nvSpPr>
+        <p:spPr>
+          <a:xfrm>
+            <a:off x="35758760" y="12141904"/>
+            <a:ext cx="12545568" cy="17820263"/>
+          </a:xfrm>
+          <a:prstGeom prst="rect">
+            <a:avLst/>
+          </a:prstGeom>
+          <a:noFill/>
+        </p:spPr>
+        <p:txBody>
+          <a:bodyPr wrap="square" rtlCol="0">
+            <a:spAutoFit/>
+          </a:bodyPr>
+          <a:lstStyle/>
+          <a:p>
+            <a:pPr lvl="0" defTabSz="914400" eaLnBrk="0" fontAlgn="base" hangingPunct="0">
+              <a:spcBef>
+                <a:spcPct val="0"/>
+              </a:spcBef>
+              <a:spcAft>
+                <a:spcPct val="0"/>
+              </a:spcAft>
+            </a:pPr>
+            <a:r>
+              <a:rPr lang="en-US" altLang="en-US" sz="5400" b="1" dirty="0">
+                <a:solidFill>
+                  <a:srgbClr val="000000"/>
+                </a:solidFill>
+              </a:rPr>
+              <a:t>Dynamic Modular Model of UIFESS</a:t>
+            </a:r>
+          </a:p>
+          <a:p>
+            <a:pPr lvl="0" defTabSz="914400" eaLnBrk="0" fontAlgn="base" hangingPunct="0">
+              <a:spcBef>
+                <a:spcPct val="0"/>
+              </a:spcBef>
+              <a:spcAft>
+                <a:spcPct val="0"/>
+              </a:spcAft>
+              <a:buSzPts val="1000"/>
+            </a:pPr>
+            <a:r>
+              <a:rPr lang="en-US" altLang="en-US" sz="5400" dirty="0" smtClean="0">
+                <a:solidFill>
+                  <a:srgbClr val="000000"/>
+                </a:solidFill>
+              </a:rPr>
+              <a:t>Interactions </a:t>
+            </a:r>
+            <a:r>
+              <a:rPr lang="en-US" altLang="en-US" sz="5400" dirty="0">
+                <a:solidFill>
+                  <a:srgbClr val="000000"/>
+                </a:solidFill>
+              </a:rPr>
+              <a:t>of Interest</a:t>
+            </a:r>
+          </a:p>
+          <a:p>
+            <a:pPr marL="685800" lvl="0" indent="-685800" defTabSz="914400" eaLnBrk="0" fontAlgn="base" hangingPunct="0">
+              <a:spcBef>
+                <a:spcPct val="0"/>
+              </a:spcBef>
+              <a:spcAft>
+                <a:spcPct val="0"/>
+              </a:spcAft>
+              <a:buSzPct val="80000"/>
+              <a:buFont typeface="Arial" panose="020B0604020202020204" pitchFamily="34" charset="0"/>
+              <a:buChar char="•"/>
+            </a:pPr>
+            <a:r>
+              <a:rPr lang="en-US" altLang="en-US" sz="5400" dirty="0" smtClean="0">
+                <a:solidFill>
+                  <a:srgbClr val="000000"/>
+                </a:solidFill>
+              </a:rPr>
+              <a:t>Torque Production</a:t>
+            </a:r>
+          </a:p>
+          <a:p>
+            <a:pPr marL="685800" lvl="0" indent="-685800" defTabSz="914400" eaLnBrk="0" fontAlgn="base" hangingPunct="0">
+              <a:spcBef>
+                <a:spcPct val="0"/>
+              </a:spcBef>
+              <a:spcAft>
+                <a:spcPct val="0"/>
+              </a:spcAft>
+              <a:buSzPct val="80000"/>
+              <a:buFont typeface="Arial" panose="020B0604020202020204" pitchFamily="34" charset="0"/>
+              <a:buChar char="•"/>
+            </a:pPr>
+            <a:r>
+              <a:rPr lang="en-US" altLang="en-US" sz="5400" dirty="0" smtClean="0">
+                <a:solidFill>
+                  <a:srgbClr val="000000"/>
+                </a:solidFill>
+              </a:rPr>
+              <a:t>Radial Forces</a:t>
+            </a:r>
+          </a:p>
+          <a:p>
+            <a:pPr marL="685800" lvl="0" indent="-685800" defTabSz="914400" eaLnBrk="0" fontAlgn="base" hangingPunct="0">
+              <a:spcBef>
+                <a:spcPct val="0"/>
+              </a:spcBef>
+              <a:spcAft>
+                <a:spcPct val="0"/>
+              </a:spcAft>
+              <a:buSzPct val="80000"/>
+              <a:buFont typeface="Arial" panose="020B0604020202020204" pitchFamily="34" charset="0"/>
+              <a:buChar char="•"/>
+            </a:pPr>
+            <a:r>
+              <a:rPr lang="en-US" altLang="en-US" sz="5400" dirty="0" smtClean="0">
+                <a:solidFill>
+                  <a:srgbClr val="000000"/>
+                </a:solidFill>
+              </a:rPr>
+              <a:t>Energy </a:t>
+            </a:r>
+            <a:r>
+              <a:rPr lang="en-US" altLang="en-US" sz="5400" dirty="0">
+                <a:solidFill>
+                  <a:srgbClr val="000000"/>
+                </a:solidFill>
+              </a:rPr>
+              <a:t>Storage</a:t>
+            </a:r>
+          </a:p>
+          <a:p>
+            <a:pPr lvl="0" defTabSz="914400" eaLnBrk="0" fontAlgn="base" hangingPunct="0">
+              <a:spcBef>
+                <a:spcPct val="0"/>
+              </a:spcBef>
+              <a:spcAft>
+                <a:spcPct val="0"/>
+              </a:spcAft>
+              <a:buSzPts val="1000"/>
+            </a:pPr>
+            <a:r>
+              <a:rPr lang="en-US" altLang="en-US" sz="5400" dirty="0" smtClean="0">
+                <a:solidFill>
+                  <a:srgbClr val="000000"/>
+                </a:solidFill>
+              </a:rPr>
+              <a:t>Components </a:t>
+            </a:r>
+            <a:r>
+              <a:rPr lang="en-US" altLang="en-US" sz="5400" dirty="0">
+                <a:solidFill>
+                  <a:srgbClr val="000000"/>
+                </a:solidFill>
+              </a:rPr>
+              <a:t>Involved</a:t>
+            </a:r>
+          </a:p>
+          <a:p>
+            <a:pPr marL="685800" lvl="0" indent="-685800" defTabSz="914400" eaLnBrk="0" fontAlgn="base" hangingPunct="0">
+              <a:spcBef>
+                <a:spcPct val="0"/>
+              </a:spcBef>
+              <a:spcAft>
+                <a:spcPct val="0"/>
+              </a:spcAft>
+              <a:buSzPct val="80000"/>
+              <a:buFont typeface="Arial" panose="020B0604020202020204" pitchFamily="34" charset="0"/>
+              <a:buChar char="•"/>
+            </a:pPr>
+            <a:r>
+              <a:rPr lang="en-US" altLang="en-US" sz="5400" dirty="0" smtClean="0">
+                <a:solidFill>
+                  <a:srgbClr val="000000"/>
+                </a:solidFill>
+              </a:rPr>
+              <a:t>Rotor and Stator</a:t>
+            </a:r>
+          </a:p>
+          <a:p>
+            <a:pPr marL="685800" lvl="0" indent="-685800" defTabSz="914400" eaLnBrk="0" fontAlgn="base" hangingPunct="0">
+              <a:spcBef>
+                <a:spcPct val="0"/>
+              </a:spcBef>
+              <a:spcAft>
+                <a:spcPct val="0"/>
+              </a:spcAft>
+              <a:buSzPct val="80000"/>
+              <a:buFont typeface="Arial" panose="020B0604020202020204" pitchFamily="34" charset="0"/>
+              <a:buChar char="•"/>
+            </a:pPr>
+            <a:r>
+              <a:rPr lang="en-US" altLang="en-US" sz="5400" dirty="0" smtClean="0">
+                <a:solidFill>
+                  <a:srgbClr val="000000"/>
+                </a:solidFill>
+              </a:rPr>
+              <a:t>Superconductor </a:t>
+            </a:r>
+            <a:r>
+              <a:rPr lang="en-US" altLang="en-US" sz="5400" dirty="0">
+                <a:solidFill>
+                  <a:srgbClr val="000000"/>
+                </a:solidFill>
+              </a:rPr>
+              <a:t>Bearing</a:t>
+            </a:r>
+          </a:p>
+          <a:p>
+            <a:pPr lvl="0" defTabSz="914400" eaLnBrk="0" fontAlgn="base" hangingPunct="0">
+              <a:spcBef>
+                <a:spcPct val="0"/>
+              </a:spcBef>
+              <a:spcAft>
+                <a:spcPct val="0"/>
+              </a:spcAft>
+              <a:buSzPts val="1000"/>
+            </a:pPr>
+            <a:r>
+              <a:rPr lang="en-US" altLang="en-US" sz="5400" dirty="0" smtClean="0">
+                <a:solidFill>
+                  <a:srgbClr val="000000"/>
+                </a:solidFill>
+              </a:rPr>
+              <a:t>Define the Components</a:t>
+            </a:r>
+            <a:endParaRPr lang="en-US" altLang="en-US" sz="5400" dirty="0">
+              <a:solidFill>
+                <a:srgbClr val="000000"/>
+              </a:solidFill>
+            </a:endParaRPr>
+          </a:p>
+          <a:p>
+            <a:pPr marL="685800" indent="-685800" defTabSz="914400" eaLnBrk="0" fontAlgn="base" hangingPunct="0">
+              <a:spcBef>
+                <a:spcPct val="0"/>
+              </a:spcBef>
+              <a:spcAft>
+                <a:spcPct val="0"/>
+              </a:spcAft>
+              <a:buSzPct val="80000"/>
+              <a:buFont typeface="Arial" panose="020B0604020202020204" pitchFamily="34" charset="0"/>
+              <a:buChar char="•"/>
+            </a:pPr>
+            <a:r>
+              <a:rPr lang="en-US" altLang="en-US" sz="5400" dirty="0">
+                <a:solidFill>
+                  <a:srgbClr val="000000"/>
+                </a:solidFill>
+              </a:rPr>
+              <a:t>Superconductor Bearing Deceleration</a:t>
+            </a:r>
+          </a:p>
+          <a:p>
+            <a:pPr marL="685800" lvl="0" indent="-685800" defTabSz="914400" eaLnBrk="0" fontAlgn="base" hangingPunct="0">
+              <a:spcBef>
+                <a:spcPct val="0"/>
+              </a:spcBef>
+              <a:spcAft>
+                <a:spcPct val="0"/>
+              </a:spcAft>
+              <a:buSzPct val="80000"/>
+              <a:buFont typeface="Arial" panose="020B0604020202020204" pitchFamily="34" charset="0"/>
+              <a:buChar char="•"/>
+            </a:pPr>
+            <a:r>
+              <a:rPr lang="en-US" altLang="en-US" sz="5400" dirty="0" smtClean="0">
+                <a:solidFill>
+                  <a:srgbClr val="000000"/>
+                </a:solidFill>
+              </a:rPr>
+              <a:t>Rotor and Stator Geometry</a:t>
+            </a:r>
+          </a:p>
+          <a:p>
+            <a:pPr marL="685800" lvl="0" indent="-685800" defTabSz="914400" eaLnBrk="0" fontAlgn="base" hangingPunct="0">
+              <a:spcBef>
+                <a:spcPct val="0"/>
+              </a:spcBef>
+              <a:spcAft>
+                <a:spcPct val="0"/>
+              </a:spcAft>
+              <a:buSzPct val="80000"/>
+              <a:buFont typeface="Arial" panose="020B0604020202020204" pitchFamily="34" charset="0"/>
+              <a:buChar char="•"/>
+            </a:pPr>
+            <a:r>
+              <a:rPr lang="en-US" altLang="en-US" sz="5400" dirty="0" smtClean="0">
+                <a:solidFill>
+                  <a:srgbClr val="000000"/>
+                </a:solidFill>
+              </a:rPr>
+              <a:t>Rotor and Stator Permeability</a:t>
+            </a:r>
+          </a:p>
+          <a:p>
+            <a:pPr lvl="0" defTabSz="914400" eaLnBrk="0" fontAlgn="base" hangingPunct="0">
+              <a:spcBef>
+                <a:spcPct val="0"/>
+              </a:spcBef>
+              <a:spcAft>
+                <a:spcPct val="0"/>
+              </a:spcAft>
+              <a:buSzPts val="1000"/>
+            </a:pPr>
+            <a:r>
+              <a:rPr lang="en-US" altLang="en-US" sz="5400" dirty="0" smtClean="0">
+                <a:solidFill>
+                  <a:srgbClr val="000000"/>
+                </a:solidFill>
+              </a:rPr>
+              <a:t>Define </a:t>
+            </a:r>
+            <a:r>
+              <a:rPr lang="en-US" altLang="en-US" sz="5400" dirty="0">
+                <a:solidFill>
+                  <a:srgbClr val="000000"/>
+                </a:solidFill>
+              </a:rPr>
+              <a:t>the </a:t>
+            </a:r>
+            <a:r>
+              <a:rPr lang="en-US" altLang="en-US" sz="5400" dirty="0" smtClean="0">
+                <a:solidFill>
+                  <a:srgbClr val="000000"/>
+                </a:solidFill>
+              </a:rPr>
+              <a:t>Interactions</a:t>
+            </a:r>
+          </a:p>
+          <a:p>
+            <a:pPr marL="685800" lvl="0" indent="-685800" defTabSz="914400" eaLnBrk="0" fontAlgn="base" hangingPunct="0">
+              <a:spcBef>
+                <a:spcPct val="0"/>
+              </a:spcBef>
+              <a:spcAft>
+                <a:spcPct val="0"/>
+              </a:spcAft>
+              <a:buSzPct val="80000"/>
+              <a:buFont typeface="Arial" panose="020B0604020202020204" pitchFamily="34" charset="0"/>
+              <a:buChar char="•"/>
+            </a:pPr>
+            <a:r>
+              <a:rPr lang="en-US" altLang="en-US" sz="5400" dirty="0" smtClean="0">
+                <a:solidFill>
+                  <a:srgbClr val="000000"/>
+                </a:solidFill>
+              </a:rPr>
+              <a:t>Air Gap</a:t>
+            </a:r>
+          </a:p>
+          <a:p>
+            <a:pPr marL="685800" lvl="0" indent="-685800" defTabSz="914400" eaLnBrk="0" fontAlgn="base" hangingPunct="0">
+              <a:spcBef>
+                <a:spcPct val="0"/>
+              </a:spcBef>
+              <a:spcAft>
+                <a:spcPct val="0"/>
+              </a:spcAft>
+              <a:buSzPct val="80000"/>
+              <a:buFont typeface="Arial" panose="020B0604020202020204" pitchFamily="34" charset="0"/>
+              <a:buChar char="•"/>
+            </a:pPr>
+            <a:r>
+              <a:rPr lang="en-US" altLang="en-US" sz="5400" dirty="0" smtClean="0">
+                <a:solidFill>
+                  <a:srgbClr val="000000"/>
+                </a:solidFill>
+              </a:rPr>
+              <a:t>Magnetic </a:t>
+            </a:r>
+            <a:r>
+              <a:rPr lang="en-US" altLang="en-US" sz="5400" dirty="0">
+                <a:solidFill>
+                  <a:srgbClr val="000000"/>
+                </a:solidFill>
+              </a:rPr>
+              <a:t>Flux Density and Field </a:t>
+            </a:r>
+            <a:r>
+              <a:rPr lang="en-US" altLang="en-US" sz="5400" dirty="0" smtClean="0">
+                <a:solidFill>
+                  <a:srgbClr val="000000"/>
+                </a:solidFill>
+              </a:rPr>
+              <a:t>Intensity</a:t>
+            </a:r>
+          </a:p>
+          <a:p>
+            <a:pPr marL="685800" lvl="0" indent="-685800" defTabSz="914400" eaLnBrk="0" fontAlgn="base" hangingPunct="0">
+              <a:spcBef>
+                <a:spcPct val="0"/>
+              </a:spcBef>
+              <a:spcAft>
+                <a:spcPct val="0"/>
+              </a:spcAft>
+              <a:buSzPct val="80000"/>
+              <a:buFont typeface="Arial" panose="020B0604020202020204" pitchFamily="34" charset="0"/>
+              <a:buChar char="•"/>
+            </a:pPr>
+            <a:r>
+              <a:rPr lang="en-US" altLang="en-US" sz="5400" dirty="0" smtClean="0">
+                <a:solidFill>
+                  <a:srgbClr val="000000"/>
+                </a:solidFill>
+              </a:rPr>
+              <a:t>Modified </a:t>
+            </a:r>
+            <a:r>
+              <a:rPr lang="en-US" altLang="en-US" sz="5400" dirty="0">
+                <a:solidFill>
+                  <a:srgbClr val="000000"/>
+                </a:solidFill>
+              </a:rPr>
+              <a:t>Winding </a:t>
+            </a:r>
+            <a:r>
+              <a:rPr lang="en-US" altLang="en-US" sz="5400" dirty="0" smtClean="0">
+                <a:solidFill>
+                  <a:srgbClr val="000000"/>
+                </a:solidFill>
+              </a:rPr>
+              <a:t>Theory</a:t>
+            </a:r>
+          </a:p>
+          <a:p>
+            <a:pPr marL="685800" lvl="0" indent="-685800" defTabSz="914400" eaLnBrk="0" fontAlgn="base" hangingPunct="0">
+              <a:spcBef>
+                <a:spcPct val="0"/>
+              </a:spcBef>
+              <a:spcAft>
+                <a:spcPct val="0"/>
+              </a:spcAft>
+              <a:buSzPct val="80000"/>
+              <a:buFont typeface="Arial" panose="020B0604020202020204" pitchFamily="34" charset="0"/>
+              <a:buChar char="•"/>
+            </a:pPr>
+            <a:r>
+              <a:rPr lang="en-US" altLang="en-US" sz="5400" dirty="0" smtClean="0">
+                <a:solidFill>
+                  <a:srgbClr val="000000"/>
+                </a:solidFill>
+              </a:rPr>
+              <a:t>Composite </a:t>
+            </a:r>
+            <a:r>
+              <a:rPr lang="en-US" altLang="en-US" sz="5400" dirty="0">
+                <a:solidFill>
+                  <a:srgbClr val="000000"/>
+                </a:solidFill>
+              </a:rPr>
+              <a:t>Loss </a:t>
+            </a:r>
+            <a:r>
+              <a:rPr lang="en-US" altLang="en-US" sz="5400" dirty="0" smtClean="0">
+                <a:solidFill>
+                  <a:srgbClr val="000000"/>
+                </a:solidFill>
+              </a:rPr>
+              <a:t>Factor</a:t>
+            </a:r>
+          </a:p>
+          <a:p>
+            <a:pPr marL="685800" lvl="0" indent="-685800" defTabSz="914400" eaLnBrk="0" fontAlgn="base" hangingPunct="0">
+              <a:spcBef>
+                <a:spcPct val="0"/>
+              </a:spcBef>
+              <a:spcAft>
+                <a:spcPct val="0"/>
+              </a:spcAft>
+              <a:buSzPct val="80000"/>
+              <a:buFont typeface="Arial" panose="020B0604020202020204" pitchFamily="34" charset="0"/>
+              <a:buChar char="•"/>
+            </a:pPr>
+            <a:r>
+              <a:rPr lang="en-US" altLang="en-US" sz="5400" dirty="0" smtClean="0">
+                <a:solidFill>
+                  <a:srgbClr val="000000"/>
+                </a:solidFill>
+              </a:rPr>
+              <a:t>Air </a:t>
+            </a:r>
+            <a:r>
+              <a:rPr lang="en-US" altLang="en-US" sz="5400" dirty="0">
+                <a:solidFill>
+                  <a:srgbClr val="000000"/>
+                </a:solidFill>
+              </a:rPr>
+              <a:t>Gap </a:t>
+            </a:r>
+            <a:r>
+              <a:rPr lang="en-US" altLang="en-US" sz="5400" dirty="0" smtClean="0">
+                <a:solidFill>
+                  <a:srgbClr val="000000"/>
+                </a:solidFill>
+              </a:rPr>
+              <a:t>Energy</a:t>
+            </a:r>
+          </a:p>
+          <a:p>
+            <a:pPr marL="685800" lvl="0" indent="-685800" defTabSz="914400" eaLnBrk="0" fontAlgn="base" hangingPunct="0">
+              <a:spcBef>
+                <a:spcPct val="0"/>
+              </a:spcBef>
+              <a:spcAft>
+                <a:spcPct val="0"/>
+              </a:spcAft>
+              <a:buSzPct val="80000"/>
+              <a:buFont typeface="Arial" panose="020B0604020202020204" pitchFamily="34" charset="0"/>
+              <a:buChar char="•"/>
+            </a:pPr>
+            <a:r>
+              <a:rPr lang="en-US" altLang="en-US" sz="5400" dirty="0" smtClean="0">
+                <a:solidFill>
+                  <a:srgbClr val="000000"/>
+                </a:solidFill>
+              </a:rPr>
+              <a:t>Torque Production</a:t>
+            </a:r>
+          </a:p>
+          <a:p>
+            <a:pPr marL="685800" lvl="0" indent="-685800" defTabSz="914400" eaLnBrk="0" fontAlgn="base" hangingPunct="0">
+              <a:spcBef>
+                <a:spcPct val="0"/>
+              </a:spcBef>
+              <a:spcAft>
+                <a:spcPct val="0"/>
+              </a:spcAft>
+              <a:buSzPct val="80000"/>
+              <a:buFont typeface="Arial" panose="020B0604020202020204" pitchFamily="34" charset="0"/>
+              <a:buChar char="•"/>
+            </a:pPr>
+            <a:r>
+              <a:rPr lang="en-US" altLang="en-US" sz="5400" dirty="0" smtClean="0">
+                <a:solidFill>
+                  <a:srgbClr val="000000"/>
+                </a:solidFill>
+              </a:rPr>
+              <a:t>Rotational Dynamics</a:t>
+            </a:r>
+          </a:p>
+          <a:p>
+            <a:pPr marL="685800" lvl="0" indent="-685800" defTabSz="914400" eaLnBrk="0" fontAlgn="base" hangingPunct="0">
+              <a:spcBef>
+                <a:spcPct val="0"/>
+              </a:spcBef>
+              <a:spcAft>
+                <a:spcPct val="0"/>
+              </a:spcAft>
+              <a:buSzPct val="80000"/>
+              <a:buFont typeface="Arial" panose="020B0604020202020204" pitchFamily="34" charset="0"/>
+              <a:buChar char="•"/>
+            </a:pPr>
+            <a:r>
+              <a:rPr lang="en-US" altLang="en-US" sz="5400" dirty="0" smtClean="0">
+                <a:solidFill>
+                  <a:srgbClr val="000000"/>
+                </a:solidFill>
+              </a:rPr>
+              <a:t>Radial </a:t>
+            </a:r>
+            <a:r>
+              <a:rPr lang="en-US" altLang="en-US" sz="5400" dirty="0">
+                <a:solidFill>
+                  <a:srgbClr val="000000"/>
+                </a:solidFill>
+              </a:rPr>
+              <a:t>Dynamics</a:t>
+            </a:r>
+          </a:p>
+          <a:p>
+            <a:endParaRPr lang="en-US" dirty="0"/>
+          </a:p>
+        </p:txBody>
+      </p:sp>
+      <p:pic>
+        <p:nvPicPr>
+          <p:cNvPr id="10" name="Picture 9"/>
           <p:cNvPicPr>
             <a:picLocks noChangeAspect="1"/>
           </p:cNvPicPr>
           <p:nvPr/>
         </p:nvPicPr>
         <p:blipFill>
-          <a:blip r:embed="rId5">
+          <a:blip r:embed="rId6">
             <a:extLst>
               <a:ext uri="{28A0092B-C50C-407E-A947-70E740481C1C}">
                 <a14:useLocalDpi xmlns:a14="http://schemas.microsoft.com/office/drawing/2010/main" val="0"/>
@@ -3186,30 +4807,54 @@
         </p:blipFill>
         <p:spPr>
           <a:xfrm>
-            <a:off x="31383507" y="30949397"/>
-            <a:ext cx="6400813" cy="1740412"/>
+            <a:off x="14746846" y="22495291"/>
+            <a:ext cx="13239400" cy="8495729"/>
           </a:xfrm>
           <a:prstGeom prst="rect">
             <a:avLst/>
           </a:prstGeom>
         </p:spPr>
       </p:pic>
-      <p:sp>
-        <p:nvSpPr>
-          <p:cNvPr id="12" name="TextBox 11">
+      <p:pic>
+        <p:nvPicPr>
+          <p:cNvPr id="15" name="Picture 14"/>
+          <p:cNvPicPr>
+            <a:picLocks noChangeAspect="1"/>
+          </p:cNvPicPr>
+          <p:nvPr/>
+        </p:nvPicPr>
+        <p:blipFill>
+          <a:blip r:embed="rId7">
             <a:extLst>
-              <a:ext uri="{FF2B5EF4-FFF2-40B4-BE49-F238E27FC236}">
-                <a16:creationId xmlns:a16="http://schemas.microsoft.com/office/drawing/2014/main" id="{DE88CE75-0DA2-429C-AC96-30EF2BF23F68}"/>
+              <a:ext uri="{28A0092B-C50C-407E-A947-70E740481C1C}">
+                <a14:useLocalDpi xmlns:a14="http://schemas.microsoft.com/office/drawing/2010/main" val="0"/>
               </a:ext>
             </a:extLst>
-          </p:cNvPr>
+          </a:blip>
+          <a:stretch>
+            <a:fillRect/>
+          </a:stretch>
+        </p:blipFill>
+        <p:spPr>
+          <a:xfrm>
+            <a:off x="22462360" y="12874752"/>
+            <a:ext cx="13296400" cy="8532305"/>
+          </a:xfrm>
+          <a:prstGeom prst="rect">
+            <a:avLst/>
+          </a:prstGeom>
+        </p:spPr>
+      </p:pic>
+      <p:sp>
+        <p:nvSpPr>
+          <p:cNvPr id="16" name="TextBox 15"/>
           <p:cNvSpPr txBox="1"/>
           <p:nvPr/>
         </p:nvSpPr>
         <p:spPr>
           <a:xfrm>
-            <a:off x="620480" y="32167286"/>
-            <a:ext cx="4767949" cy="584775"/>
+            <a:off x="16264194" y="7632076"/>
+            <a:ext cx="17080992" cy="4247317"/>
           </a:xfrm>
           <a:prstGeom prst="rect">
             <a:avLst/>
@@ -3222,1899 +4867,96 @@
           </a:bodyPr>
           <a:lstStyle/>
           <a:p>
-            <a:r>
-              <a:rPr lang="en-US" sz="3200" dirty="0"/>
-              <a:t>Grant#: NNX15AR81A</a:t>
-            </a:r>
-          </a:p>
-        </p:txBody>
-      </p:sp>
-      <p:sp>
-        <p:nvSpPr>
-          <p:cNvPr id="13" name="Text Box 2">
+            <a:pPr algn="ctr"/>
+            <a:r>
+              <a:rPr lang="en-US" sz="5400" b="1" dirty="0" smtClean="0"/>
+              <a:t>Advantages</a:t>
+            </a:r>
+          </a:p>
+          <a:p>
+            <a:pPr marL="685800" indent="-685800" algn="ctr">
+              <a:buFont typeface="Arial" panose="020B0604020202020204" pitchFamily="34" charset="0"/>
+              <a:buChar char="•"/>
+            </a:pPr>
+            <a:r>
+              <a:rPr lang="en-US" sz="5400" dirty="0" smtClean="0"/>
+              <a:t>Superconductor bearing model flexibility</a:t>
+            </a:r>
+          </a:p>
+          <a:p>
+            <a:pPr marL="685800" indent="-685800" algn="ctr">
+              <a:buFont typeface="Arial" panose="020B0604020202020204" pitchFamily="34" charset="0"/>
+              <a:buChar char="•"/>
+            </a:pPr>
+            <a:r>
+              <a:rPr lang="en-US" sz="5400" dirty="0" smtClean="0"/>
+              <a:t>Improve interaction models as understanding is improved</a:t>
+            </a:r>
+          </a:p>
+          <a:p>
+            <a:pPr marL="685800" indent="-685800" algn="ctr">
+              <a:buFont typeface="Arial" panose="020B0604020202020204" pitchFamily="34" charset="0"/>
+              <a:buChar char="•"/>
+            </a:pPr>
+            <a:r>
+              <a:rPr lang="en-US" sz="5400" dirty="0" smtClean="0"/>
+              <a:t>Rapid proof of concept for prototype designs</a:t>
+            </a:r>
+          </a:p>
+          <a:p>
+            <a:pPr marL="685800" indent="-685800" algn="ctr">
+              <a:buFont typeface="Arial" panose="020B0604020202020204" pitchFamily="34" charset="0"/>
+              <a:buChar char="•"/>
+            </a:pPr>
+            <a:r>
+              <a:rPr lang="en-US" sz="5400" dirty="0" smtClean="0"/>
+              <a:t>Predict design and control system changes </a:t>
+            </a:r>
+            <a:endParaRPr lang="en-US" sz="5400" dirty="0"/>
+          </a:p>
+        </p:txBody>
+      </p:sp>
+      <p:pic>
+        <p:nvPicPr>
+          <p:cNvPr id="1026" name="Picture 2" descr="E:\David Arnett\Classes\Spring 2018\Supervisory Control and Critical Infrastructure Systems\FEMM.JPG"/>
+          <p:cNvPicPr>
+            <a:picLocks noChangeAspect="1" noChangeArrowheads="1"/>
+          </p:cNvPicPr>
+          <p:nvPr/>
+        </p:nvPicPr>
+        <p:blipFill>
+          <a:blip r:embed="rId8">
             <a:extLst>
-              <a:ext uri="{FF2B5EF4-FFF2-40B4-BE49-F238E27FC236}">
-                <a16:creationId xmlns:a16="http://schemas.microsoft.com/office/drawing/2014/main" id="{578ACD8E-9A7F-4747-8216-67D0BB2D2DC3}"/>
+              <a:ext uri="{28A0092B-C50C-407E-A947-70E740481C1C}">
+                <a14:useLocalDpi xmlns:a14="http://schemas.microsoft.com/office/drawing/2010/main" val="0"/>
               </a:ext>
             </a:extLst>
-          </p:cNvPr>
-          <p:cNvSpPr txBox="1">
-            <a:spLocks noChangeArrowheads="1"/>
-          </p:cNvSpPr>
-          <p:nvPr/>
-        </p:nvSpPr>
+          </a:blip>
+          <a:srcRect/>
+          <a:stretch>
+            <a:fillRect/>
+          </a:stretch>
+        </p:blipFill>
         <p:spPr bwMode="auto">
           <a:xfrm>
-            <a:off x="1270455" y="13569869"/>
-            <a:ext cx="23320374" cy="16392298"/>
+            <a:off x="36695281" y="4035226"/>
+            <a:ext cx="10672526" cy="7844167"/>
           </a:xfrm>
           <a:prstGeom prst="rect">
             <a:avLst/>
           </a:prstGeom>
           <a:noFill/>
-          <a:ln>
-            <a:noFill/>
-          </a:ln>
-          <a:effectLst/>
           <a:extLst>
             <a:ext uri="{909E8E84-426E-40DD-AFC4-6F175D3DCCD1}">
               <a14:hiddenFill xmlns:a14="http://schemas.microsoft.com/office/drawing/2010/main">
                 <a:solidFill>
-                  <a:srgbClr val="000066"/>
+                  <a:srgbClr val="FFFFFF"/>
                 </a:solidFill>
               </a14:hiddenFill>
             </a:ext>
-            <a:ext uri="{91240B29-F687-4F45-9708-019B960494DF}">
-              <a14:hiddenLine xmlns:a14="http://schemas.microsoft.com/office/drawing/2010/main" w="25400" algn="ctr">
-                <a:solidFill>
-                  <a:srgbClr val="000000"/>
-                </a:solidFill>
-                <a:miter lim="800000"/>
-                <a:headEnd/>
-                <a:tailEnd/>
-              </a14:hiddenLine>
-            </a:ext>
-            <a:ext uri="{AF507438-7753-43E0-B8FC-AC1667EBCBE1}">
-              <a14:hiddenEffects xmlns:a14="http://schemas.microsoft.com/office/drawing/2010/main">
-                <a:effectLst>
-                  <a:outerShdw dist="35921" dir="2700000" algn="ctr" rotWithShape="0">
-                    <a:srgbClr val="000000"/>
-                  </a:outerShdw>
-                </a:effectLst>
-              </a14:hiddenEffects>
-            </a:ext>
           </a:extLst>
         </p:spPr>
-        <p:txBody>
-          <a:bodyPr vert="horz" wrap="square" lIns="36576" tIns="36576" rIns="36576" bIns="36576" numCol="1" anchor="t" anchorCtr="0" compatLnSpc="1">
-            <a:prstTxWarp prst="textNoShape">
-              <a:avLst/>
-            </a:prstTxWarp>
-          </a:bodyPr>
-          <a:lstStyle/>
-          <a:p>
-            <a:pPr marL="0" marR="0" lvl="0" indent="0" algn="l" defTabSz="914400" rtl="0" eaLnBrk="0" fontAlgn="base" latinLnBrk="0" hangingPunct="0">
-              <a:lnSpc>
-                <a:spcPct val="100000"/>
-              </a:lnSpc>
-              <a:spcBef>
-                <a:spcPct val="0"/>
-              </a:spcBef>
-              <a:spcAft>
-                <a:spcPct val="0"/>
-              </a:spcAft>
-              <a:buClrTx/>
-              <a:buSzTx/>
-              <a:buFontTx/>
-              <a:buNone/>
-              <a:tabLst/>
-            </a:pPr>
-            <a:r>
-              <a:rPr kumimoji="0" lang="en-US" altLang="en-US" sz="5400" b="0" i="0" u="none" strike="noStrike" cap="none" normalizeH="0" baseline="0" dirty="0">
-                <a:ln>
-                  <a:noFill/>
-                </a:ln>
-                <a:solidFill>
-                  <a:srgbClr val="000000"/>
-                </a:solidFill>
-                <a:effectLst/>
-                <a:latin typeface="+mj-lt"/>
-              </a:rPr>
-              <a:t>Developing a Modular Model</a:t>
-            </a:r>
-          </a:p>
-          <a:p>
-            <a:pPr marL="0" marR="0" lvl="0" indent="0" algn="l" defTabSz="914400" rtl="0" eaLnBrk="0" fontAlgn="base" latinLnBrk="0" hangingPunct="0">
-              <a:lnSpc>
-                <a:spcPct val="100000"/>
-              </a:lnSpc>
-              <a:spcBef>
-                <a:spcPct val="0"/>
-              </a:spcBef>
-              <a:spcAft>
-                <a:spcPct val="0"/>
-              </a:spcAft>
-              <a:buClrTx/>
-              <a:buSzPts val="1000"/>
-              <a:buFont typeface="Symbol" panose="05050102010706020507" pitchFamily="18" charset="2"/>
-              <a:buChar char="¨"/>
-              <a:tabLst/>
-            </a:pPr>
-            <a:r>
-              <a:rPr kumimoji="0" lang="en-US" altLang="en-US" sz="5400" b="0" i="0" u="none" strike="noStrike" cap="none" normalizeH="0" baseline="0" dirty="0">
-                <a:ln>
-                  <a:noFill/>
-                </a:ln>
-                <a:solidFill>
-                  <a:srgbClr val="000000"/>
-                </a:solidFill>
-                <a:effectLst/>
-                <a:latin typeface="+mj-lt"/>
-              </a:rPr>
-              <a:t>Determine the Interactions of Interest</a:t>
-            </a:r>
-          </a:p>
-          <a:p>
-            <a:pPr marL="0" marR="0" lvl="0" indent="0" algn="l" defTabSz="914400" rtl="0" eaLnBrk="0" fontAlgn="base" latinLnBrk="0" hangingPunct="0">
-              <a:lnSpc>
-                <a:spcPct val="100000"/>
-              </a:lnSpc>
-              <a:spcBef>
-                <a:spcPct val="0"/>
-              </a:spcBef>
-              <a:spcAft>
-                <a:spcPct val="0"/>
-              </a:spcAft>
-              <a:buClrTx/>
-              <a:buSzPts val="1000"/>
-              <a:buFont typeface="Symbol" panose="05050102010706020507" pitchFamily="18" charset="2"/>
-              <a:buChar char="à"/>
-              <a:tabLst/>
-            </a:pPr>
-            <a:r>
-              <a:rPr kumimoji="0" lang="en-US" altLang="en-US" sz="5400" b="0" i="0" u="none" strike="noStrike" cap="none" normalizeH="0" baseline="0" dirty="0">
-                <a:ln>
-                  <a:noFill/>
-                </a:ln>
-                <a:solidFill>
-                  <a:srgbClr val="000000"/>
-                </a:solidFill>
-                <a:effectLst/>
-                <a:latin typeface="+mj-lt"/>
-              </a:rPr>
-              <a:t>What is the model intended for?</a:t>
-            </a:r>
-          </a:p>
-          <a:p>
-            <a:pPr marL="0" marR="0" lvl="0" indent="0" algn="l" defTabSz="914400" rtl="0" eaLnBrk="0" fontAlgn="base" latinLnBrk="0" hangingPunct="0">
-              <a:lnSpc>
-                <a:spcPct val="100000"/>
-              </a:lnSpc>
-              <a:spcBef>
-                <a:spcPct val="0"/>
-              </a:spcBef>
-              <a:spcAft>
-                <a:spcPct val="0"/>
-              </a:spcAft>
-              <a:buClrTx/>
-              <a:buSzPts val="1000"/>
-              <a:buFont typeface="Symbol" panose="05050102010706020507" pitchFamily="18" charset="2"/>
-              <a:buChar char="à"/>
-              <a:tabLst/>
-            </a:pPr>
-            <a:r>
-              <a:rPr kumimoji="0" lang="en-US" altLang="en-US" sz="5400" b="0" i="0" u="none" strike="noStrike" cap="none" normalizeH="0" baseline="0" dirty="0">
-                <a:ln>
-                  <a:noFill/>
-                </a:ln>
-                <a:solidFill>
-                  <a:srgbClr val="000000"/>
-                </a:solidFill>
-                <a:effectLst/>
-                <a:latin typeface="+mj-lt"/>
-              </a:rPr>
-              <a:t>What will the output of the model be?</a:t>
-            </a:r>
-          </a:p>
-          <a:p>
-            <a:pPr marL="0" marR="0" lvl="0" indent="0" algn="l" defTabSz="914400" rtl="0" eaLnBrk="0" fontAlgn="base" latinLnBrk="0" hangingPunct="0">
-              <a:lnSpc>
-                <a:spcPct val="100000"/>
-              </a:lnSpc>
-              <a:spcBef>
-                <a:spcPct val="0"/>
-              </a:spcBef>
-              <a:spcAft>
-                <a:spcPct val="0"/>
-              </a:spcAft>
-              <a:buClrTx/>
-              <a:buSzPts val="1000"/>
-              <a:buFont typeface="Symbol" panose="05050102010706020507" pitchFamily="18" charset="2"/>
-              <a:buChar char="¨"/>
-              <a:tabLst/>
-            </a:pPr>
-            <a:r>
-              <a:rPr kumimoji="0" lang="en-US" altLang="en-US" sz="5400" b="0" i="0" u="none" strike="noStrike" cap="none" normalizeH="0" baseline="0" dirty="0">
-                <a:ln>
-                  <a:noFill/>
-                </a:ln>
-                <a:solidFill>
-                  <a:srgbClr val="000000"/>
-                </a:solidFill>
-                <a:effectLst/>
-                <a:latin typeface="+mj-lt"/>
-              </a:rPr>
-              <a:t>Determine the Components Involved</a:t>
-            </a:r>
-          </a:p>
-          <a:p>
-            <a:pPr marL="0" marR="0" lvl="0" indent="0" algn="l" defTabSz="914400" rtl="0" eaLnBrk="0" fontAlgn="base" latinLnBrk="0" hangingPunct="0">
-              <a:lnSpc>
-                <a:spcPct val="100000"/>
-              </a:lnSpc>
-              <a:spcBef>
-                <a:spcPct val="0"/>
-              </a:spcBef>
-              <a:spcAft>
-                <a:spcPct val="0"/>
-              </a:spcAft>
-              <a:buClrTx/>
-              <a:buSzPts val="1000"/>
-              <a:buFont typeface="Symbol" panose="05050102010706020507" pitchFamily="18" charset="2"/>
-              <a:buChar char="à"/>
-              <a:tabLst/>
-            </a:pPr>
-            <a:r>
-              <a:rPr kumimoji="0" lang="en-US" altLang="en-US" sz="5400" b="0" i="0" u="none" strike="noStrike" cap="none" normalizeH="0" baseline="0" dirty="0">
-                <a:ln>
-                  <a:noFill/>
-                </a:ln>
-                <a:solidFill>
-                  <a:srgbClr val="000000"/>
-                </a:solidFill>
-                <a:effectLst/>
-                <a:latin typeface="+mj-lt"/>
-              </a:rPr>
-              <a:t>What components in the system are involved in the interactions?</a:t>
-            </a:r>
-          </a:p>
-          <a:p>
-            <a:pPr marL="0" marR="0" lvl="0" indent="0" algn="l" defTabSz="914400" rtl="0" eaLnBrk="0" fontAlgn="base" latinLnBrk="0" hangingPunct="0">
-              <a:lnSpc>
-                <a:spcPct val="100000"/>
-              </a:lnSpc>
-              <a:spcBef>
-                <a:spcPct val="0"/>
-              </a:spcBef>
-              <a:spcAft>
-                <a:spcPct val="0"/>
-              </a:spcAft>
-              <a:buClrTx/>
-              <a:buSzPts val="1000"/>
-              <a:buFont typeface="Symbol" panose="05050102010706020507" pitchFamily="18" charset="2"/>
-              <a:buChar char="à"/>
-              <a:tabLst/>
-            </a:pPr>
-            <a:r>
-              <a:rPr kumimoji="0" lang="en-US" altLang="en-US" sz="5400" b="0" i="0" u="none" strike="noStrike" cap="none" normalizeH="0" baseline="0" dirty="0">
-                <a:ln>
-                  <a:noFill/>
-                </a:ln>
-                <a:solidFill>
-                  <a:srgbClr val="000000"/>
-                </a:solidFill>
-                <a:effectLst/>
-                <a:latin typeface="+mj-lt"/>
-              </a:rPr>
-              <a:t>What parameters are involved in the prediction of the interactions?</a:t>
-            </a:r>
-          </a:p>
-          <a:p>
-            <a:pPr marL="0" marR="0" lvl="0" indent="0" algn="l" defTabSz="914400" rtl="0" eaLnBrk="0" fontAlgn="base" latinLnBrk="0" hangingPunct="0">
-              <a:lnSpc>
-                <a:spcPct val="100000"/>
-              </a:lnSpc>
-              <a:spcBef>
-                <a:spcPct val="0"/>
-              </a:spcBef>
-              <a:spcAft>
-                <a:spcPct val="0"/>
-              </a:spcAft>
-              <a:buClrTx/>
-              <a:buSzPts val="1000"/>
-              <a:buFont typeface="Symbol" panose="05050102010706020507" pitchFamily="18" charset="2"/>
-              <a:buChar char="¨"/>
-              <a:tabLst/>
-            </a:pPr>
-            <a:r>
-              <a:rPr kumimoji="0" lang="en-US" altLang="en-US" sz="5400" b="0" i="0" u="none" strike="noStrike" cap="none" normalizeH="0" baseline="0" dirty="0">
-                <a:ln>
-                  <a:noFill/>
-                </a:ln>
-                <a:solidFill>
-                  <a:srgbClr val="000000"/>
-                </a:solidFill>
-                <a:effectLst/>
-                <a:latin typeface="+mj-lt"/>
-              </a:rPr>
-              <a:t>Define the Components</a:t>
-            </a:r>
-          </a:p>
-          <a:p>
-            <a:pPr marL="0" marR="0" lvl="0" indent="0" algn="l" defTabSz="914400" rtl="0" eaLnBrk="0" fontAlgn="base" latinLnBrk="0" hangingPunct="0">
-              <a:lnSpc>
-                <a:spcPct val="100000"/>
-              </a:lnSpc>
-              <a:spcBef>
-                <a:spcPct val="0"/>
-              </a:spcBef>
-              <a:spcAft>
-                <a:spcPct val="0"/>
-              </a:spcAft>
-              <a:buClrTx/>
-              <a:buSzPts val="1000"/>
-              <a:buFont typeface="Symbol" panose="05050102010706020507" pitchFamily="18" charset="2"/>
-              <a:buChar char="à"/>
-              <a:tabLst/>
-            </a:pPr>
-            <a:r>
-              <a:rPr kumimoji="0" lang="en-US" altLang="en-US" sz="5400" b="0" i="0" u="none" strike="noStrike" cap="none" normalizeH="0" baseline="0" dirty="0">
-                <a:ln>
-                  <a:noFill/>
-                </a:ln>
-                <a:solidFill>
-                  <a:srgbClr val="000000"/>
-                </a:solidFill>
-                <a:effectLst/>
-                <a:latin typeface="+mj-lt"/>
-              </a:rPr>
-              <a:t>Each component is treated as a collection of parameters that are of </a:t>
-            </a:r>
-          </a:p>
-          <a:p>
-            <a:pPr marL="0" marR="0" lvl="0" indent="0" algn="l" defTabSz="914400" rtl="0" eaLnBrk="0" fontAlgn="base" latinLnBrk="0" hangingPunct="0">
-              <a:lnSpc>
-                <a:spcPct val="100000"/>
-              </a:lnSpc>
-              <a:spcBef>
-                <a:spcPct val="0"/>
-              </a:spcBef>
-              <a:spcAft>
-                <a:spcPct val="0"/>
-              </a:spcAft>
-              <a:buClrTx/>
-              <a:buSzTx/>
-              <a:buFontTx/>
-              <a:buNone/>
-              <a:tabLst/>
-            </a:pPr>
-            <a:r>
-              <a:rPr kumimoji="0" lang="en-US" altLang="en-US" sz="5400" b="0" i="0" u="none" strike="noStrike" cap="none" normalizeH="0" baseline="0" dirty="0">
-                <a:ln>
-                  <a:noFill/>
-                </a:ln>
-                <a:solidFill>
-                  <a:srgbClr val="000000"/>
-                </a:solidFill>
-                <a:effectLst/>
-                <a:latin typeface="+mj-lt"/>
-              </a:rPr>
-              <a:t>interest.</a:t>
-            </a:r>
-          </a:p>
-          <a:p>
-            <a:pPr marL="0" marR="0" lvl="0" indent="0" algn="l" defTabSz="914400" rtl="0" eaLnBrk="0" fontAlgn="base" latinLnBrk="0" hangingPunct="0">
-              <a:lnSpc>
-                <a:spcPct val="100000"/>
-              </a:lnSpc>
-              <a:spcBef>
-                <a:spcPct val="0"/>
-              </a:spcBef>
-              <a:spcAft>
-                <a:spcPct val="0"/>
-              </a:spcAft>
-              <a:buClrTx/>
-              <a:buSzPts val="1000"/>
-              <a:buFont typeface="Symbol" panose="05050102010706020507" pitchFamily="18" charset="2"/>
-              <a:buChar char="à"/>
-              <a:tabLst/>
-            </a:pPr>
-            <a:r>
-              <a:rPr kumimoji="0" lang="en-US" altLang="en-US" sz="5400" b="0" i="0" u="none" strike="noStrike" cap="none" normalizeH="0" baseline="0" dirty="0">
-                <a:ln>
-                  <a:noFill/>
-                </a:ln>
-                <a:solidFill>
-                  <a:srgbClr val="000000"/>
-                </a:solidFill>
-                <a:effectLst/>
-                <a:latin typeface="+mj-lt"/>
-              </a:rPr>
-              <a:t>These parameters may be of interest because they are likely to change </a:t>
-            </a:r>
-          </a:p>
-          <a:p>
-            <a:pPr marL="0" marR="0" lvl="0" indent="0" algn="l" defTabSz="914400" rtl="0" eaLnBrk="0" fontAlgn="base" latinLnBrk="0" hangingPunct="0">
-              <a:lnSpc>
-                <a:spcPct val="100000"/>
-              </a:lnSpc>
-              <a:spcBef>
-                <a:spcPct val="0"/>
-              </a:spcBef>
-              <a:spcAft>
-                <a:spcPct val="0"/>
-              </a:spcAft>
-              <a:buClrTx/>
-              <a:buSzTx/>
-              <a:buFontTx/>
-              <a:buNone/>
-              <a:tabLst/>
-            </a:pPr>
-            <a:r>
-              <a:rPr kumimoji="0" lang="en-US" altLang="en-US" sz="5400" b="0" i="0" u="none" strike="noStrike" cap="none" normalizeH="0" baseline="0" dirty="0">
-                <a:ln>
-                  <a:noFill/>
-                </a:ln>
-                <a:solidFill>
-                  <a:srgbClr val="000000"/>
-                </a:solidFill>
-                <a:effectLst/>
-                <a:latin typeface="+mj-lt"/>
-              </a:rPr>
-              <a:t>or they are critical for the calculation of an interaction of interest.</a:t>
-            </a:r>
-          </a:p>
-          <a:p>
-            <a:pPr marL="0" marR="0" lvl="0" indent="0" algn="l" defTabSz="914400" rtl="0" eaLnBrk="0" fontAlgn="base" latinLnBrk="0" hangingPunct="0">
-              <a:lnSpc>
-                <a:spcPct val="100000"/>
-              </a:lnSpc>
-              <a:spcBef>
-                <a:spcPct val="0"/>
-              </a:spcBef>
-              <a:spcAft>
-                <a:spcPct val="0"/>
-              </a:spcAft>
-              <a:buClrTx/>
-              <a:buSzPts val="1000"/>
-              <a:buFont typeface="Symbol" panose="05050102010706020507" pitchFamily="18" charset="2"/>
-              <a:buChar char="¨"/>
-              <a:tabLst/>
-            </a:pPr>
-            <a:r>
-              <a:rPr kumimoji="0" lang="en-US" altLang="en-US" sz="5400" b="0" i="0" u="none" strike="noStrike" cap="none" normalizeH="0" baseline="0" dirty="0">
-                <a:ln>
-                  <a:noFill/>
-                </a:ln>
-                <a:solidFill>
-                  <a:srgbClr val="000000"/>
-                </a:solidFill>
-                <a:effectLst/>
-                <a:latin typeface="+mj-lt"/>
-              </a:rPr>
-              <a:t>Define the Interactions by the Parameters of the Components</a:t>
-            </a:r>
-          </a:p>
-          <a:p>
-            <a:pPr marL="0" marR="0" lvl="0" indent="0" algn="l" defTabSz="914400" rtl="0" eaLnBrk="0" fontAlgn="base" latinLnBrk="0" hangingPunct="0">
-              <a:lnSpc>
-                <a:spcPct val="100000"/>
-              </a:lnSpc>
-              <a:spcBef>
-                <a:spcPct val="0"/>
-              </a:spcBef>
-              <a:spcAft>
-                <a:spcPct val="0"/>
-              </a:spcAft>
-              <a:buClrTx/>
-              <a:buSzPts val="1000"/>
-              <a:buFont typeface="Symbol" panose="05050102010706020507" pitchFamily="18" charset="2"/>
-              <a:buChar char="¨"/>
-              <a:tabLst/>
-            </a:pPr>
-            <a:r>
-              <a:rPr lang="en-US" altLang="en-US" sz="5400" dirty="0">
-                <a:solidFill>
-                  <a:srgbClr val="000000"/>
-                </a:solidFill>
-                <a:latin typeface="+mj-lt"/>
-              </a:rPr>
-              <a:t>Physical Definitions</a:t>
-            </a:r>
-            <a:endParaRPr kumimoji="0" lang="en-US" altLang="en-US" sz="5400" b="0" i="0" u="none" strike="noStrike" cap="none" normalizeH="0" baseline="0" dirty="0">
-              <a:ln>
-                <a:noFill/>
-              </a:ln>
-              <a:solidFill>
-                <a:srgbClr val="000000"/>
-              </a:solidFill>
-              <a:effectLst/>
-              <a:latin typeface="+mj-lt"/>
-            </a:endParaRPr>
-          </a:p>
-          <a:p>
-            <a:pPr marL="0" marR="0" lvl="0" indent="0" algn="l" defTabSz="914400" rtl="0" eaLnBrk="0" fontAlgn="base" latinLnBrk="0" hangingPunct="0">
-              <a:lnSpc>
-                <a:spcPct val="100000"/>
-              </a:lnSpc>
-              <a:spcBef>
-                <a:spcPct val="0"/>
-              </a:spcBef>
-              <a:spcAft>
-                <a:spcPct val="0"/>
-              </a:spcAft>
-              <a:buClrTx/>
-              <a:buSzPts val="1000"/>
-              <a:buFont typeface="Symbol" panose="05050102010706020507" pitchFamily="18" charset="2"/>
-              <a:buChar char="à"/>
-              <a:tabLst/>
-            </a:pPr>
-            <a:r>
-              <a:rPr kumimoji="0" lang="en-US" altLang="en-US" sz="5400" b="0" i="0" u="none" strike="noStrike" cap="none" normalizeH="0" baseline="0" dirty="0">
-                <a:ln>
-                  <a:noFill/>
-                </a:ln>
-                <a:solidFill>
-                  <a:srgbClr val="000000"/>
-                </a:solidFill>
-                <a:effectLst/>
-                <a:latin typeface="+mj-lt"/>
-              </a:rPr>
-              <a:t>T = -</a:t>
-            </a:r>
-            <a:r>
-              <a:rPr kumimoji="0" lang="en-US" altLang="en-US" sz="5400" b="0" i="1" u="none" strike="noStrike" cap="none" normalizeH="0" baseline="0" dirty="0" err="1">
-                <a:ln>
-                  <a:noFill/>
-                </a:ln>
-                <a:solidFill>
-                  <a:srgbClr val="000000"/>
-                </a:solidFill>
-                <a:effectLst/>
-                <a:latin typeface="+mj-lt"/>
-              </a:rPr>
-              <a:t>d</a:t>
-            </a:r>
-            <a:r>
-              <a:rPr kumimoji="0" lang="en-US" altLang="en-US" sz="5400" b="0" i="0" u="none" strike="noStrike" cap="none" normalizeH="0" baseline="0" dirty="0" err="1">
-                <a:ln>
-                  <a:noFill/>
-                </a:ln>
-                <a:solidFill>
-                  <a:srgbClr val="000000"/>
-                </a:solidFill>
-                <a:effectLst/>
-                <a:latin typeface="+mj-lt"/>
-              </a:rPr>
-              <a:t>W</a:t>
-            </a:r>
-            <a:r>
-              <a:rPr kumimoji="0" lang="en-US" altLang="en-US" sz="5400" b="0" i="0" u="none" strike="noStrike" cap="none" normalizeH="0" baseline="0" dirty="0">
-                <a:ln>
-                  <a:noFill/>
-                </a:ln>
-                <a:solidFill>
-                  <a:srgbClr val="000000"/>
-                </a:solidFill>
-                <a:effectLst/>
-                <a:latin typeface="+mj-lt"/>
-              </a:rPr>
-              <a:t>/</a:t>
-            </a:r>
-            <a:r>
-              <a:rPr kumimoji="0" lang="en-US" altLang="en-US" sz="5400" b="0" i="1" u="none" strike="noStrike" cap="none" normalizeH="0" baseline="0" dirty="0">
-                <a:ln>
-                  <a:noFill/>
-                </a:ln>
-                <a:solidFill>
-                  <a:srgbClr val="000000"/>
-                </a:solidFill>
-                <a:effectLst/>
-                <a:latin typeface="+mj-lt"/>
-              </a:rPr>
-              <a:t>d</a:t>
-            </a:r>
-            <a:r>
-              <a:rPr kumimoji="0" lang="el-GR" altLang="en-US" sz="5400" b="0" i="1" u="none" strike="noStrike" cap="none" normalizeH="0" baseline="0" noProof="1">
-                <a:ln>
-                  <a:noFill/>
-                </a:ln>
-                <a:solidFill>
-                  <a:srgbClr val="000000"/>
-                </a:solidFill>
-                <a:effectLst/>
-                <a:latin typeface="+mj-lt"/>
-              </a:rPr>
-              <a:t>θ</a:t>
-            </a:r>
-            <a:endParaRPr kumimoji="0" lang="en-US" altLang="en-US" sz="5400" b="0" i="1" u="none" strike="noStrike" cap="none" normalizeH="0" baseline="0" noProof="1">
-              <a:ln>
-                <a:noFill/>
-              </a:ln>
-              <a:solidFill>
-                <a:srgbClr val="000000"/>
-              </a:solidFill>
-              <a:effectLst/>
-              <a:latin typeface="+mj-lt"/>
-            </a:endParaRPr>
-          </a:p>
-          <a:p>
-            <a:pPr marL="0" marR="0" lvl="0" indent="0" algn="l" defTabSz="914400" rtl="0" eaLnBrk="0" fontAlgn="base" latinLnBrk="0" hangingPunct="0">
-              <a:lnSpc>
-                <a:spcPct val="100000"/>
-              </a:lnSpc>
-              <a:spcBef>
-                <a:spcPct val="0"/>
-              </a:spcBef>
-              <a:spcAft>
-                <a:spcPct val="0"/>
-              </a:spcAft>
-              <a:buClrTx/>
-              <a:buSzPts val="1000"/>
-              <a:buFont typeface="Symbol" panose="05050102010706020507" pitchFamily="18" charset="2"/>
-              <a:buChar char="à"/>
-              <a:tabLst/>
-            </a:pPr>
-            <a:r>
-              <a:rPr lang="en-US" altLang="en-US" sz="5400" noProof="1">
-                <a:solidFill>
-                  <a:srgbClr val="000000"/>
-                </a:solidFill>
-                <a:latin typeface="+mj-lt"/>
-              </a:rPr>
-              <a:t>Mathematical Abstractions</a:t>
-            </a:r>
-            <a:endParaRPr kumimoji="0" lang="en-US" altLang="en-US" sz="5400" b="0" u="none" strike="noStrike" cap="none" normalizeH="0" baseline="0" dirty="0">
-              <a:ln>
-                <a:noFill/>
-              </a:ln>
-              <a:solidFill>
-                <a:srgbClr val="000000"/>
-              </a:solidFill>
-              <a:effectLst/>
-              <a:latin typeface="+mj-lt"/>
-            </a:endParaRPr>
-          </a:p>
-          <a:p>
-            <a:pPr marL="0" marR="0" lvl="0" indent="0" algn="l" defTabSz="914400" rtl="0" eaLnBrk="0" fontAlgn="base" latinLnBrk="0" hangingPunct="0">
-              <a:lnSpc>
-                <a:spcPct val="100000"/>
-              </a:lnSpc>
-              <a:spcBef>
-                <a:spcPct val="0"/>
-              </a:spcBef>
-              <a:spcAft>
-                <a:spcPct val="0"/>
-              </a:spcAft>
-              <a:buClrTx/>
-              <a:buSzPts val="1000"/>
-              <a:buFont typeface="Symbol" panose="05050102010706020507" pitchFamily="18" charset="2"/>
-              <a:buChar char="à"/>
-              <a:tabLst/>
-            </a:pPr>
-            <a:r>
-              <a:rPr kumimoji="0" lang="en-US" altLang="en-US" sz="5400" b="0" i="0" u="none" strike="noStrike" cap="none" normalizeH="0" baseline="0" noProof="1">
-                <a:ln>
-                  <a:noFill/>
-                </a:ln>
-                <a:solidFill>
-                  <a:srgbClr val="000000"/>
-                </a:solidFill>
-                <a:effectLst/>
-                <a:latin typeface="+mj-lt"/>
-              </a:rPr>
-              <a:t>T </a:t>
-            </a:r>
-            <a:r>
-              <a:rPr kumimoji="0" lang="en-US" altLang="en-US" sz="5400" b="0" i="0" u="none" strike="noStrike" cap="none" normalizeH="0" baseline="0" dirty="0">
-                <a:ln>
-                  <a:noFill/>
-                </a:ln>
-                <a:solidFill>
-                  <a:srgbClr val="000000"/>
-                </a:solidFill>
-                <a:effectLst/>
-                <a:latin typeface="+mj-lt"/>
-              </a:rPr>
-              <a:t>= (1/2)[</a:t>
-            </a:r>
-            <a:r>
-              <a:rPr kumimoji="0" lang="en-US" altLang="en-US" sz="5400" b="0" i="1" u="none" strike="noStrike" cap="none" normalizeH="0" baseline="0" dirty="0">
-                <a:ln>
-                  <a:noFill/>
-                </a:ln>
-                <a:solidFill>
-                  <a:srgbClr val="000000"/>
-                </a:solidFill>
-                <a:effectLst/>
-                <a:latin typeface="+mj-lt"/>
-              </a:rPr>
-              <a:t>i</a:t>
-            </a:r>
-            <a:r>
-              <a:rPr kumimoji="0" lang="en-US" altLang="en-US" sz="5400" b="0" i="0" u="none" strike="noStrike" cap="none" normalizeH="0" baseline="-25000" dirty="0">
-                <a:ln>
-                  <a:noFill/>
-                </a:ln>
-                <a:solidFill>
-                  <a:srgbClr val="000000"/>
-                </a:solidFill>
-                <a:effectLst/>
-                <a:latin typeface="+mj-lt"/>
-              </a:rPr>
-              <a:t>s</a:t>
-            </a:r>
-            <a:r>
-              <a:rPr kumimoji="0" lang="en-US" altLang="en-US" sz="5400" b="0" i="0" u="none" strike="noStrike" cap="none" normalizeH="0" baseline="0" dirty="0">
-                <a:ln>
-                  <a:noFill/>
-                </a:ln>
-                <a:solidFill>
-                  <a:srgbClr val="000000"/>
-                </a:solidFill>
-                <a:effectLst/>
-                <a:latin typeface="+mj-lt"/>
-              </a:rPr>
-              <a:t>]</a:t>
-            </a:r>
-            <a:r>
-              <a:rPr kumimoji="0" lang="en-US" altLang="en-US" sz="5400" b="0" i="0" u="none" strike="noStrike" cap="none" normalizeH="0" baseline="30000" dirty="0">
-                <a:ln>
-                  <a:noFill/>
-                </a:ln>
-                <a:solidFill>
-                  <a:srgbClr val="000000"/>
-                </a:solidFill>
-                <a:effectLst/>
-                <a:latin typeface="+mj-lt"/>
-              </a:rPr>
-              <a:t>T</a:t>
-            </a:r>
-            <a:r>
-              <a:rPr kumimoji="0" lang="en-US" altLang="en-US" sz="5400" b="0" i="0" u="none" strike="noStrike" cap="none" normalizeH="0" baseline="0" dirty="0">
-                <a:ln>
-                  <a:noFill/>
-                </a:ln>
-                <a:solidFill>
-                  <a:srgbClr val="000000"/>
-                </a:solidFill>
-                <a:effectLst/>
-                <a:latin typeface="+mj-lt"/>
-              </a:rPr>
-              <a:t>[</a:t>
-            </a:r>
-            <a:r>
-              <a:rPr kumimoji="0" lang="en-US" altLang="en-US" sz="5400" b="0" i="1" u="none" strike="noStrike" cap="none" normalizeH="0" baseline="0" dirty="0">
-                <a:ln>
-                  <a:noFill/>
-                </a:ln>
-                <a:solidFill>
-                  <a:srgbClr val="000000"/>
-                </a:solidFill>
-                <a:effectLst/>
-                <a:latin typeface="+mj-lt"/>
-              </a:rPr>
-              <a:t>d</a:t>
-            </a:r>
-            <a:r>
-              <a:rPr kumimoji="0" lang="en-US" altLang="en-US" sz="5400" b="0" i="0" u="none" strike="noStrike" cap="none" normalizeH="0" baseline="0" dirty="0">
-                <a:ln>
-                  <a:noFill/>
-                </a:ln>
-                <a:solidFill>
-                  <a:srgbClr val="000000"/>
-                </a:solidFill>
-                <a:effectLst/>
-                <a:latin typeface="+mj-lt"/>
-              </a:rPr>
-              <a:t>[L(</a:t>
-            </a:r>
-            <a:r>
-              <a:rPr kumimoji="0" lang="el-GR" altLang="en-US" sz="5400" b="0" i="0" u="none" strike="noStrike" cap="none" normalizeH="0" baseline="0" noProof="1">
-                <a:ln>
-                  <a:noFill/>
-                </a:ln>
-                <a:solidFill>
-                  <a:srgbClr val="000000"/>
-                </a:solidFill>
-                <a:effectLst/>
-                <a:latin typeface="+mj-lt"/>
-              </a:rPr>
-              <a:t>θ</a:t>
-            </a:r>
-            <a:r>
-              <a:rPr kumimoji="0" lang="en-US" altLang="en-US" sz="5400" b="0" i="0" u="none" strike="noStrike" cap="none" normalizeH="0" baseline="0" dirty="0">
-                <a:ln>
-                  <a:noFill/>
-                </a:ln>
-                <a:solidFill>
-                  <a:srgbClr val="000000"/>
-                </a:solidFill>
-                <a:effectLst/>
-                <a:latin typeface="+mj-lt"/>
-              </a:rPr>
-              <a:t>)]/</a:t>
-            </a:r>
-            <a:r>
-              <a:rPr kumimoji="0" lang="en-US" altLang="en-US" sz="5400" b="0" i="1" u="none" strike="noStrike" cap="none" normalizeH="0" baseline="0" dirty="0">
-                <a:ln>
-                  <a:noFill/>
-                </a:ln>
-                <a:solidFill>
-                  <a:srgbClr val="000000"/>
-                </a:solidFill>
-                <a:effectLst/>
-                <a:latin typeface="+mj-lt"/>
-              </a:rPr>
-              <a:t>d</a:t>
-            </a:r>
-            <a:r>
-              <a:rPr kumimoji="0" lang="el-GR" altLang="en-US" sz="5400" b="0" i="0" u="none" strike="noStrike" cap="none" normalizeH="0" baseline="0" noProof="1">
-                <a:ln>
-                  <a:noFill/>
-                </a:ln>
-                <a:solidFill>
-                  <a:srgbClr val="000000"/>
-                </a:solidFill>
-                <a:effectLst/>
-                <a:latin typeface="+mj-lt"/>
-              </a:rPr>
-              <a:t>θ</a:t>
-            </a:r>
-            <a:r>
-              <a:rPr kumimoji="0" lang="en-US" altLang="en-US" sz="5400" b="0" i="0" u="none" strike="noStrike" cap="none" normalizeH="0" baseline="0" dirty="0">
-                <a:ln>
-                  <a:noFill/>
-                </a:ln>
-                <a:solidFill>
-                  <a:srgbClr val="000000"/>
-                </a:solidFill>
-                <a:effectLst/>
-                <a:latin typeface="+mj-lt"/>
-              </a:rPr>
-              <a:t>][</a:t>
-            </a:r>
-            <a:r>
-              <a:rPr kumimoji="0" lang="en-US" altLang="en-US" sz="5400" b="0" i="1" u="none" strike="noStrike" cap="none" normalizeH="0" baseline="0" dirty="0">
-                <a:ln>
-                  <a:noFill/>
-                </a:ln>
-                <a:solidFill>
-                  <a:srgbClr val="000000"/>
-                </a:solidFill>
-                <a:effectLst/>
-                <a:latin typeface="+mj-lt"/>
-              </a:rPr>
-              <a:t>i</a:t>
-            </a:r>
-            <a:r>
-              <a:rPr kumimoji="0" lang="en-US" altLang="en-US" sz="5400" b="0" i="0" u="none" strike="noStrike" cap="none" normalizeH="0" baseline="-25000" dirty="0">
-                <a:ln>
-                  <a:noFill/>
-                </a:ln>
-                <a:solidFill>
-                  <a:srgbClr val="000000"/>
-                </a:solidFill>
-                <a:effectLst/>
-                <a:latin typeface="+mj-lt"/>
-              </a:rPr>
-              <a:t>s</a:t>
-            </a:r>
-            <a:r>
-              <a:rPr kumimoji="0" lang="en-US" altLang="en-US" sz="5400" b="0" i="0" u="none" strike="noStrike" cap="none" normalizeH="0" baseline="0" dirty="0">
-                <a:ln>
-                  <a:noFill/>
-                </a:ln>
-                <a:solidFill>
-                  <a:srgbClr val="000000"/>
-                </a:solidFill>
-                <a:effectLst/>
-                <a:latin typeface="+mj-lt"/>
-              </a:rPr>
-              <a:t>]</a:t>
-            </a:r>
-          </a:p>
-          <a:p>
-            <a:pPr marL="0" marR="0" lvl="0" indent="0" algn="l" defTabSz="914400" rtl="0" eaLnBrk="0" fontAlgn="base" latinLnBrk="0" hangingPunct="0">
-              <a:lnSpc>
-                <a:spcPct val="100000"/>
-              </a:lnSpc>
-              <a:spcBef>
-                <a:spcPct val="0"/>
-              </a:spcBef>
-              <a:spcAft>
-                <a:spcPct val="0"/>
-              </a:spcAft>
-              <a:buClrTx/>
-              <a:buSzPts val="1000"/>
-              <a:buFont typeface="Symbol" panose="05050102010706020507" pitchFamily="18" charset="2"/>
-              <a:buChar char="à"/>
-              <a:tabLst/>
-            </a:pPr>
-            <a:r>
-              <a:rPr kumimoji="0" lang="en-US" altLang="en-US" sz="5400" b="0" i="0" u="none" strike="noStrike" cap="none" normalizeH="0" baseline="0" dirty="0">
-                <a:ln>
-                  <a:noFill/>
-                </a:ln>
-                <a:solidFill>
-                  <a:srgbClr val="000000"/>
-                </a:solidFill>
-                <a:effectLst/>
-                <a:latin typeface="+mj-lt"/>
-              </a:rPr>
-              <a:t>These calculations can be performed using physical equations or </a:t>
-            </a:r>
-          </a:p>
-          <a:p>
-            <a:pPr marL="0" marR="0" lvl="0" indent="0" algn="l" defTabSz="914400" rtl="0" eaLnBrk="0" fontAlgn="base" latinLnBrk="0" hangingPunct="0">
-              <a:lnSpc>
-                <a:spcPct val="100000"/>
-              </a:lnSpc>
-              <a:spcBef>
-                <a:spcPct val="0"/>
-              </a:spcBef>
-              <a:spcAft>
-                <a:spcPct val="0"/>
-              </a:spcAft>
-              <a:buClrTx/>
-              <a:buSzTx/>
-              <a:buFontTx/>
-              <a:buNone/>
-              <a:tabLst/>
-            </a:pPr>
-            <a:r>
-              <a:rPr kumimoji="0" lang="en-US" altLang="en-US" sz="5400" b="0" i="0" u="none" strike="noStrike" cap="none" normalizeH="0" baseline="0" dirty="0">
-                <a:ln>
-                  <a:noFill/>
-                </a:ln>
-                <a:solidFill>
-                  <a:srgbClr val="000000"/>
-                </a:solidFill>
-                <a:effectLst/>
-                <a:latin typeface="+mj-lt"/>
-              </a:rPr>
-              <a:t>	mathematical abstractions depending on the understanding of the system </a:t>
-            </a:r>
-          </a:p>
-          <a:p>
-            <a:pPr marL="0" marR="0" lvl="0" indent="0" algn="l" defTabSz="914400" rtl="0" eaLnBrk="0" fontAlgn="base" latinLnBrk="0" hangingPunct="0">
-              <a:lnSpc>
-                <a:spcPct val="100000"/>
-              </a:lnSpc>
-              <a:spcBef>
-                <a:spcPct val="0"/>
-              </a:spcBef>
-              <a:spcAft>
-                <a:spcPct val="0"/>
-              </a:spcAft>
-              <a:buClrTx/>
-              <a:buSzTx/>
-              <a:buFontTx/>
-              <a:buNone/>
-              <a:tabLst/>
-            </a:pPr>
-            <a:r>
-              <a:rPr kumimoji="0" lang="en-US" altLang="en-US" sz="5400" b="0" i="0" u="none" strike="noStrike" cap="none" normalizeH="0" baseline="0" dirty="0">
-                <a:ln>
-                  <a:noFill/>
-                </a:ln>
-                <a:solidFill>
-                  <a:srgbClr val="000000"/>
-                </a:solidFill>
-                <a:effectLst/>
-                <a:latin typeface="+mj-lt"/>
-              </a:rPr>
-              <a:t>	and the computational power available.</a:t>
-            </a:r>
-          </a:p>
-          <a:p>
-            <a:pPr marL="0" marR="0" lvl="0" indent="0" algn="l" defTabSz="914400" rtl="0" eaLnBrk="0" fontAlgn="base" latinLnBrk="0" hangingPunct="0">
-              <a:lnSpc>
-                <a:spcPct val="100000"/>
-              </a:lnSpc>
-              <a:spcBef>
-                <a:spcPct val="0"/>
-              </a:spcBef>
-              <a:spcAft>
-                <a:spcPct val="0"/>
-              </a:spcAft>
-              <a:buClrTx/>
-              <a:buSzTx/>
-              <a:buFontTx/>
-              <a:buNone/>
-              <a:tabLst/>
-            </a:pPr>
-            <a:endParaRPr kumimoji="0" lang="en-US" altLang="en-US" sz="1800" b="0" i="0" u="none" strike="noStrike" cap="none" normalizeH="0" baseline="0" dirty="0">
-              <a:ln>
-                <a:noFill/>
-              </a:ln>
-              <a:solidFill>
-                <a:schemeClr val="tx1"/>
-              </a:solidFill>
-              <a:effectLst/>
-              <a:latin typeface="Arial" panose="020B0604020202020204" pitchFamily="34" charset="0"/>
-            </a:endParaRPr>
-          </a:p>
-        </p:txBody>
-      </p:sp>
-      <p:sp>
-        <p:nvSpPr>
-          <p:cNvPr id="14" name="Text Box 3">
-            <a:extLst>
-              <a:ext uri="{FF2B5EF4-FFF2-40B4-BE49-F238E27FC236}">
-                <a16:creationId xmlns:a16="http://schemas.microsoft.com/office/drawing/2014/main" id="{82A1C162-9F4B-46A8-8DAD-3D82BD3DA8B3}"/>
-              </a:ext>
-            </a:extLst>
-          </p:cNvPr>
-          <p:cNvSpPr txBox="1">
-            <a:spLocks noChangeArrowheads="1"/>
-          </p:cNvSpPr>
-          <p:nvPr/>
-        </p:nvSpPr>
-        <p:spPr bwMode="auto">
-          <a:xfrm>
-            <a:off x="-4690408" y="4145444"/>
-            <a:ext cx="19990938" cy="21587682"/>
-          </a:xfrm>
-          <a:prstGeom prst="rect">
-            <a:avLst/>
-          </a:prstGeom>
-          <a:noFill/>
-          <a:ln>
-            <a:noFill/>
-          </a:ln>
-          <a:effectLst/>
-          <a:extLst>
-            <a:ext uri="{909E8E84-426E-40DD-AFC4-6F175D3DCCD1}">
-              <a14:hiddenFill xmlns:a14="http://schemas.microsoft.com/office/drawing/2010/main">
-                <a:solidFill>
-                  <a:srgbClr val="000066"/>
-                </a:solidFill>
-              </a14:hiddenFill>
-            </a:ext>
-            <a:ext uri="{91240B29-F687-4F45-9708-019B960494DF}">
-              <a14:hiddenLine xmlns:a14="http://schemas.microsoft.com/office/drawing/2010/main" w="25400" algn="ctr">
-                <a:solidFill>
-                  <a:srgbClr val="000000"/>
-                </a:solidFill>
-                <a:miter lim="800000"/>
-                <a:headEnd/>
-                <a:tailEnd/>
-              </a14:hiddenLine>
-            </a:ext>
-            <a:ext uri="{AF507438-7753-43E0-B8FC-AC1667EBCBE1}">
-              <a14:hiddenEffects xmlns:a14="http://schemas.microsoft.com/office/drawing/2010/main">
-                <a:effectLst>
-                  <a:outerShdw dist="35921" dir="2700000" algn="ctr" rotWithShape="0">
-                    <a:srgbClr val="000000"/>
-                  </a:outerShdw>
-                </a:effectLst>
-              </a14:hiddenEffects>
-            </a:ext>
-          </a:extLst>
-        </p:spPr>
-        <p:txBody>
-          <a:bodyPr vert="horz" wrap="square" lIns="36576" tIns="36576" rIns="36576" bIns="36576" numCol="1" anchor="t" anchorCtr="0" compatLnSpc="1">
-            <a:prstTxWarp prst="textNoShape">
-              <a:avLst/>
-            </a:prstTxWarp>
-          </a:bodyPr>
-          <a:lstStyle/>
-          <a:p>
-            <a:pPr marL="0" marR="0" lvl="0" indent="0" algn="l" defTabSz="914400" rtl="0" eaLnBrk="0" fontAlgn="base" latinLnBrk="0" hangingPunct="0">
-              <a:lnSpc>
-                <a:spcPct val="100000"/>
-              </a:lnSpc>
-              <a:spcBef>
-                <a:spcPct val="0"/>
-              </a:spcBef>
-              <a:spcAft>
-                <a:spcPct val="0"/>
-              </a:spcAft>
-              <a:buClrTx/>
-              <a:buSzTx/>
-              <a:buFontTx/>
-              <a:buNone/>
-              <a:tabLst/>
-            </a:pPr>
-            <a:r>
-              <a:rPr kumimoji="0" lang="en-US" altLang="en-US" sz="5400" b="0" i="0" u="none" strike="noStrike" cap="none" normalizeH="0" baseline="0" dirty="0">
-                <a:ln>
-                  <a:noFill/>
-                </a:ln>
-                <a:solidFill>
-                  <a:srgbClr val="000000"/>
-                </a:solidFill>
-                <a:effectLst/>
-                <a:latin typeface="Garamond" panose="02020404030301010803" pitchFamily="18" charset="0"/>
-              </a:rPr>
-              <a:t>Dynamic Modular Model of UIFESS</a:t>
-            </a:r>
-          </a:p>
-          <a:p>
-            <a:pPr marL="0" marR="0" lvl="0" indent="0" algn="l" defTabSz="914400" rtl="0" eaLnBrk="0" fontAlgn="base" latinLnBrk="0" hangingPunct="0">
-              <a:lnSpc>
-                <a:spcPct val="100000"/>
-              </a:lnSpc>
-              <a:spcBef>
-                <a:spcPct val="0"/>
-              </a:spcBef>
-              <a:spcAft>
-                <a:spcPct val="0"/>
-              </a:spcAft>
-              <a:buClrTx/>
-              <a:buSzPts val="1000"/>
-              <a:buFont typeface="Symbol" panose="05050102010706020507" pitchFamily="18" charset="2"/>
-              <a:buChar char="¨"/>
-              <a:tabLst/>
-            </a:pPr>
-            <a:r>
-              <a:rPr kumimoji="0" lang="en-US" altLang="en-US" sz="5400" b="0" i="0" u="none" strike="noStrike" cap="none" normalizeH="0" baseline="0" dirty="0">
-                <a:ln>
-                  <a:noFill/>
-                </a:ln>
-                <a:solidFill>
-                  <a:srgbClr val="000000"/>
-                </a:solidFill>
-                <a:effectLst/>
-                <a:latin typeface="Garamond" panose="02020404030301010803" pitchFamily="18" charset="0"/>
-              </a:rPr>
-              <a:t>Determine the Interactions of Interest</a:t>
-            </a:r>
-          </a:p>
-          <a:p>
-            <a:pPr marL="0" marR="0" lvl="0" indent="0" algn="l" defTabSz="914400" rtl="0" eaLnBrk="0" fontAlgn="base" latinLnBrk="0" hangingPunct="0">
-              <a:lnSpc>
-                <a:spcPct val="100000"/>
-              </a:lnSpc>
-              <a:spcBef>
-                <a:spcPct val="0"/>
-              </a:spcBef>
-              <a:spcAft>
-                <a:spcPct val="0"/>
-              </a:spcAft>
-              <a:buClrTx/>
-              <a:buSzPts val="1000"/>
-              <a:buFont typeface="Symbol" panose="05050102010706020507" pitchFamily="18" charset="2"/>
-              <a:buChar char="à"/>
-              <a:tabLst/>
-            </a:pPr>
-            <a:r>
-              <a:rPr kumimoji="0" lang="en-US" altLang="en-US" sz="5400" b="0" i="0" u="none" strike="noStrike" cap="none" normalizeH="0" baseline="0" dirty="0">
-                <a:ln>
-                  <a:noFill/>
-                </a:ln>
-                <a:solidFill>
-                  <a:srgbClr val="000000"/>
-                </a:solidFill>
-                <a:effectLst/>
-                <a:latin typeface="Garamond" panose="02020404030301010803" pitchFamily="18" charset="0"/>
-              </a:rPr>
-              <a:t>Torque Production</a:t>
-            </a:r>
-          </a:p>
-          <a:p>
-            <a:pPr marL="0" marR="0" lvl="0" indent="0" algn="l" defTabSz="914400" rtl="0" eaLnBrk="0" fontAlgn="base" latinLnBrk="0" hangingPunct="0">
-              <a:lnSpc>
-                <a:spcPct val="100000"/>
-              </a:lnSpc>
-              <a:spcBef>
-                <a:spcPct val="0"/>
-              </a:spcBef>
-              <a:spcAft>
-                <a:spcPct val="0"/>
-              </a:spcAft>
-              <a:buClrTx/>
-              <a:buSzPts val="1000"/>
-              <a:buFont typeface="Symbol" panose="05050102010706020507" pitchFamily="18" charset="2"/>
-              <a:buChar char="à"/>
-              <a:tabLst/>
-            </a:pPr>
-            <a:r>
-              <a:rPr kumimoji="0" lang="en-US" altLang="en-US" sz="5400" b="0" i="0" u="none" strike="noStrike" cap="none" normalizeH="0" baseline="0" dirty="0">
-                <a:ln>
-                  <a:noFill/>
-                </a:ln>
-                <a:solidFill>
-                  <a:srgbClr val="000000"/>
-                </a:solidFill>
-                <a:effectLst/>
-                <a:latin typeface="Garamond" panose="02020404030301010803" pitchFamily="18" charset="0"/>
-              </a:rPr>
-              <a:t>Radial Forces</a:t>
-            </a:r>
-          </a:p>
-          <a:p>
-            <a:pPr marL="0" marR="0" lvl="0" indent="0" algn="l" defTabSz="914400" rtl="0" eaLnBrk="0" fontAlgn="base" latinLnBrk="0" hangingPunct="0">
-              <a:lnSpc>
-                <a:spcPct val="100000"/>
-              </a:lnSpc>
-              <a:spcBef>
-                <a:spcPct val="0"/>
-              </a:spcBef>
-              <a:spcAft>
-                <a:spcPct val="0"/>
-              </a:spcAft>
-              <a:buClrTx/>
-              <a:buSzPts val="1000"/>
-              <a:buFont typeface="Symbol" panose="05050102010706020507" pitchFamily="18" charset="2"/>
-              <a:buChar char="à"/>
-              <a:tabLst/>
-            </a:pPr>
-            <a:r>
-              <a:rPr kumimoji="0" lang="en-US" altLang="en-US" sz="5400" b="0" i="0" u="none" strike="noStrike" cap="none" normalizeH="0" baseline="0" dirty="0">
-                <a:ln>
-                  <a:noFill/>
-                </a:ln>
-                <a:solidFill>
-                  <a:srgbClr val="000000"/>
-                </a:solidFill>
-                <a:effectLst/>
-                <a:latin typeface="Garamond" panose="02020404030301010803" pitchFamily="18" charset="0"/>
-              </a:rPr>
-              <a:t>Energy Storage</a:t>
-            </a:r>
-          </a:p>
-          <a:p>
-            <a:pPr marL="0" marR="0" lvl="0" indent="0" algn="l" defTabSz="914400" rtl="0" eaLnBrk="0" fontAlgn="base" latinLnBrk="0" hangingPunct="0">
-              <a:lnSpc>
-                <a:spcPct val="100000"/>
-              </a:lnSpc>
-              <a:spcBef>
-                <a:spcPct val="0"/>
-              </a:spcBef>
-              <a:spcAft>
-                <a:spcPct val="0"/>
-              </a:spcAft>
-              <a:buClrTx/>
-              <a:buSzPts val="1000"/>
-              <a:buFont typeface="Symbol" panose="05050102010706020507" pitchFamily="18" charset="2"/>
-              <a:buChar char="¨"/>
-              <a:tabLst/>
-            </a:pPr>
-            <a:r>
-              <a:rPr kumimoji="0" lang="en-US" altLang="en-US" sz="5400" b="0" i="0" u="none" strike="noStrike" cap="none" normalizeH="0" baseline="0" dirty="0">
-                <a:ln>
-                  <a:noFill/>
-                </a:ln>
-                <a:solidFill>
-                  <a:srgbClr val="000000"/>
-                </a:solidFill>
-                <a:effectLst/>
-                <a:latin typeface="Garamond" panose="02020404030301010803" pitchFamily="18" charset="0"/>
-              </a:rPr>
-              <a:t>Determine the Components Involved</a:t>
-            </a:r>
-          </a:p>
-          <a:p>
-            <a:pPr marL="0" marR="0" lvl="0" indent="0" algn="l" defTabSz="914400" rtl="0" eaLnBrk="0" fontAlgn="base" latinLnBrk="0" hangingPunct="0">
-              <a:lnSpc>
-                <a:spcPct val="100000"/>
-              </a:lnSpc>
-              <a:spcBef>
-                <a:spcPct val="0"/>
-              </a:spcBef>
-              <a:spcAft>
-                <a:spcPct val="0"/>
-              </a:spcAft>
-              <a:buClrTx/>
-              <a:buSzPts val="1000"/>
-              <a:buFont typeface="Symbol" panose="05050102010706020507" pitchFamily="18" charset="2"/>
-              <a:buChar char="à"/>
-              <a:tabLst/>
-            </a:pPr>
-            <a:r>
-              <a:rPr kumimoji="0" lang="en-US" altLang="en-US" sz="5400" b="0" i="0" u="none" strike="noStrike" cap="none" normalizeH="0" baseline="0" dirty="0">
-                <a:ln>
-                  <a:noFill/>
-                </a:ln>
-                <a:solidFill>
-                  <a:srgbClr val="000000"/>
-                </a:solidFill>
-                <a:effectLst/>
-                <a:latin typeface="Garamond" panose="02020404030301010803" pitchFamily="18" charset="0"/>
-              </a:rPr>
-              <a:t>Rotor</a:t>
-            </a:r>
-          </a:p>
-          <a:p>
-            <a:pPr marL="0" marR="0" lvl="0" indent="0" algn="l" defTabSz="914400" rtl="0" eaLnBrk="0" fontAlgn="base" latinLnBrk="0" hangingPunct="0">
-              <a:lnSpc>
-                <a:spcPct val="100000"/>
-              </a:lnSpc>
-              <a:spcBef>
-                <a:spcPct val="0"/>
-              </a:spcBef>
-              <a:spcAft>
-                <a:spcPct val="0"/>
-              </a:spcAft>
-              <a:buClrTx/>
-              <a:buSzPts val="1000"/>
-              <a:buFont typeface="Symbol" panose="05050102010706020507" pitchFamily="18" charset="2"/>
-              <a:buChar char="à"/>
-              <a:tabLst/>
-            </a:pPr>
-            <a:r>
-              <a:rPr kumimoji="0" lang="en-US" altLang="en-US" sz="5400" b="0" i="0" u="none" strike="noStrike" cap="none" normalizeH="0" baseline="0" dirty="0">
-                <a:ln>
-                  <a:noFill/>
-                </a:ln>
-                <a:solidFill>
-                  <a:srgbClr val="000000"/>
-                </a:solidFill>
-                <a:effectLst/>
-                <a:latin typeface="Garamond" panose="02020404030301010803" pitchFamily="18" charset="0"/>
-              </a:rPr>
-              <a:t>Stator</a:t>
-            </a:r>
-          </a:p>
-          <a:p>
-            <a:pPr marL="0" marR="0" lvl="0" indent="0" algn="l" defTabSz="914400" rtl="0" eaLnBrk="0" fontAlgn="base" latinLnBrk="0" hangingPunct="0">
-              <a:lnSpc>
-                <a:spcPct val="100000"/>
-              </a:lnSpc>
-              <a:spcBef>
-                <a:spcPct val="0"/>
-              </a:spcBef>
-              <a:spcAft>
-                <a:spcPct val="0"/>
-              </a:spcAft>
-              <a:buClrTx/>
-              <a:buSzPts val="1000"/>
-              <a:buFont typeface="Symbol" panose="05050102010706020507" pitchFamily="18" charset="2"/>
-              <a:buChar char="à"/>
-              <a:tabLst/>
-            </a:pPr>
-            <a:r>
-              <a:rPr kumimoji="0" lang="en-US" altLang="en-US" sz="5400" b="0" i="0" u="none" strike="noStrike" cap="none" normalizeH="0" baseline="0" dirty="0">
-                <a:ln>
-                  <a:noFill/>
-                </a:ln>
-                <a:solidFill>
-                  <a:srgbClr val="000000"/>
-                </a:solidFill>
-                <a:effectLst/>
-                <a:latin typeface="Garamond" panose="02020404030301010803" pitchFamily="18" charset="0"/>
-              </a:rPr>
-              <a:t>Superconductor Bearing</a:t>
-            </a:r>
-          </a:p>
-          <a:p>
-            <a:pPr marL="0" marR="0" lvl="0" indent="0" algn="l" defTabSz="914400" rtl="0" eaLnBrk="0" fontAlgn="base" latinLnBrk="0" hangingPunct="0">
-              <a:lnSpc>
-                <a:spcPct val="100000"/>
-              </a:lnSpc>
-              <a:spcBef>
-                <a:spcPct val="0"/>
-              </a:spcBef>
-              <a:spcAft>
-                <a:spcPct val="0"/>
-              </a:spcAft>
-              <a:buClrTx/>
-              <a:buSzPts val="1000"/>
-              <a:buFont typeface="Symbol" panose="05050102010706020507" pitchFamily="18" charset="2"/>
-              <a:buChar char="¨"/>
-              <a:tabLst/>
-            </a:pPr>
-            <a:r>
-              <a:rPr kumimoji="0" lang="en-US" altLang="en-US" sz="5400" b="0" i="0" u="none" strike="noStrike" cap="none" normalizeH="0" baseline="0" dirty="0">
-                <a:ln>
-                  <a:noFill/>
-                </a:ln>
-                <a:solidFill>
-                  <a:srgbClr val="000000"/>
-                </a:solidFill>
-                <a:effectLst/>
-                <a:latin typeface="Garamond" panose="02020404030301010803" pitchFamily="18" charset="0"/>
-              </a:rPr>
-              <a:t>Define the Components</a:t>
-            </a:r>
-          </a:p>
-          <a:p>
-            <a:pPr marL="0" marR="0" lvl="0" indent="0" algn="l" defTabSz="914400" rtl="0" eaLnBrk="0" fontAlgn="base" latinLnBrk="0" hangingPunct="0">
-              <a:lnSpc>
-                <a:spcPct val="100000"/>
-              </a:lnSpc>
-              <a:spcBef>
-                <a:spcPct val="0"/>
-              </a:spcBef>
-              <a:spcAft>
-                <a:spcPct val="0"/>
-              </a:spcAft>
-              <a:buClrTx/>
-              <a:buSzPts val="1000"/>
-              <a:buFont typeface="Symbol" panose="05050102010706020507" pitchFamily="18" charset="2"/>
-              <a:buChar char="à"/>
-              <a:tabLst/>
-            </a:pPr>
-            <a:r>
-              <a:rPr kumimoji="0" lang="en-US" altLang="en-US" sz="5400" b="0" i="0" u="none" strike="noStrike" cap="none" normalizeH="0" baseline="0" dirty="0">
-                <a:ln>
-                  <a:noFill/>
-                </a:ln>
-                <a:solidFill>
-                  <a:srgbClr val="000000"/>
-                </a:solidFill>
-                <a:effectLst/>
-                <a:latin typeface="Garamond" panose="02020404030301010803" pitchFamily="18" charset="0"/>
-              </a:rPr>
-              <a:t>Rotor Geometry</a:t>
-            </a:r>
-          </a:p>
-          <a:p>
-            <a:pPr marL="0" marR="0" lvl="0" indent="0" algn="l" defTabSz="914400" rtl="0" eaLnBrk="0" fontAlgn="base" latinLnBrk="0" hangingPunct="0">
-              <a:lnSpc>
-                <a:spcPct val="100000"/>
-              </a:lnSpc>
-              <a:spcBef>
-                <a:spcPct val="0"/>
-              </a:spcBef>
-              <a:spcAft>
-                <a:spcPct val="0"/>
-              </a:spcAft>
-              <a:buClrTx/>
-              <a:buSzPts val="1000"/>
-              <a:buFont typeface="Symbol" panose="05050102010706020507" pitchFamily="18" charset="2"/>
-              <a:buChar char="à"/>
-              <a:tabLst/>
-            </a:pPr>
-            <a:r>
-              <a:rPr kumimoji="0" lang="en-US" altLang="en-US" sz="5400" b="0" i="0" u="none" strike="noStrike" cap="none" normalizeH="0" baseline="0" dirty="0">
-                <a:ln>
-                  <a:noFill/>
-                </a:ln>
-                <a:solidFill>
-                  <a:srgbClr val="000000"/>
-                </a:solidFill>
-                <a:effectLst/>
-                <a:latin typeface="Garamond" panose="02020404030301010803" pitchFamily="18" charset="0"/>
-              </a:rPr>
-              <a:t>Rotor Permeability</a:t>
-            </a:r>
-          </a:p>
-          <a:p>
-            <a:pPr marL="0" marR="0" lvl="0" indent="0" algn="l" defTabSz="914400" rtl="0" eaLnBrk="0" fontAlgn="base" latinLnBrk="0" hangingPunct="0">
-              <a:lnSpc>
-                <a:spcPct val="100000"/>
-              </a:lnSpc>
-              <a:spcBef>
-                <a:spcPct val="0"/>
-              </a:spcBef>
-              <a:spcAft>
-                <a:spcPct val="0"/>
-              </a:spcAft>
-              <a:buClrTx/>
-              <a:buSzPts val="1000"/>
-              <a:buFont typeface="Symbol" panose="05050102010706020507" pitchFamily="18" charset="2"/>
-              <a:buChar char="à"/>
-              <a:tabLst/>
-            </a:pPr>
-            <a:r>
-              <a:rPr kumimoji="0" lang="en-US" altLang="en-US" sz="5400" b="0" i="0" u="none" strike="noStrike" cap="none" normalizeH="0" baseline="0" dirty="0">
-                <a:ln>
-                  <a:noFill/>
-                </a:ln>
-                <a:solidFill>
-                  <a:srgbClr val="000000"/>
-                </a:solidFill>
-                <a:effectLst/>
-                <a:latin typeface="Garamond" panose="02020404030301010803" pitchFamily="18" charset="0"/>
-              </a:rPr>
-              <a:t>Stator Geometry</a:t>
-            </a:r>
-          </a:p>
-          <a:p>
-            <a:pPr marL="0" marR="0" lvl="0" indent="0" algn="l" defTabSz="914400" rtl="0" eaLnBrk="0" fontAlgn="base" latinLnBrk="0" hangingPunct="0">
-              <a:lnSpc>
-                <a:spcPct val="100000"/>
-              </a:lnSpc>
-              <a:spcBef>
-                <a:spcPct val="0"/>
-              </a:spcBef>
-              <a:spcAft>
-                <a:spcPct val="0"/>
-              </a:spcAft>
-              <a:buClrTx/>
-              <a:buSzPts val="1000"/>
-              <a:buFont typeface="Symbol" panose="05050102010706020507" pitchFamily="18" charset="2"/>
-              <a:buChar char="à"/>
-              <a:tabLst/>
-            </a:pPr>
-            <a:r>
-              <a:rPr kumimoji="0" lang="en-US" altLang="en-US" sz="5400" b="0" i="0" u="none" strike="noStrike" cap="none" normalizeH="0" baseline="0" dirty="0">
-                <a:ln>
-                  <a:noFill/>
-                </a:ln>
-                <a:solidFill>
-                  <a:srgbClr val="000000"/>
-                </a:solidFill>
-                <a:effectLst/>
-                <a:latin typeface="Garamond" panose="02020404030301010803" pitchFamily="18" charset="0"/>
-              </a:rPr>
-              <a:t>Stator Permeability</a:t>
-            </a:r>
-          </a:p>
-          <a:p>
-            <a:pPr marL="0" marR="0" lvl="0" indent="0" algn="l" defTabSz="914400" rtl="0" eaLnBrk="0" fontAlgn="base" latinLnBrk="0" hangingPunct="0">
-              <a:lnSpc>
-                <a:spcPct val="100000"/>
-              </a:lnSpc>
-              <a:spcBef>
-                <a:spcPct val="0"/>
-              </a:spcBef>
-              <a:spcAft>
-                <a:spcPct val="0"/>
-              </a:spcAft>
-              <a:buClrTx/>
-              <a:buSzPts val="1000"/>
-              <a:buFont typeface="Symbol" panose="05050102010706020507" pitchFamily="18" charset="2"/>
-              <a:buChar char="à"/>
-              <a:tabLst/>
-            </a:pPr>
-            <a:r>
-              <a:rPr kumimoji="0" lang="en-US" altLang="en-US" sz="5400" b="0" i="0" u="none" strike="noStrike" cap="none" normalizeH="0" baseline="0" dirty="0">
-                <a:ln>
-                  <a:noFill/>
-                </a:ln>
-                <a:solidFill>
-                  <a:srgbClr val="000000"/>
-                </a:solidFill>
-                <a:effectLst/>
-                <a:latin typeface="Garamond" panose="02020404030301010803" pitchFamily="18" charset="0"/>
-              </a:rPr>
-              <a:t>Superconductor Bearing “Friction”</a:t>
-            </a:r>
-          </a:p>
-          <a:p>
-            <a:pPr marL="0" marR="0" lvl="0" indent="0" algn="l" defTabSz="914400" rtl="0" eaLnBrk="0" fontAlgn="base" latinLnBrk="0" hangingPunct="0">
-              <a:lnSpc>
-                <a:spcPct val="100000"/>
-              </a:lnSpc>
-              <a:spcBef>
-                <a:spcPct val="0"/>
-              </a:spcBef>
-              <a:spcAft>
-                <a:spcPct val="0"/>
-              </a:spcAft>
-              <a:buClrTx/>
-              <a:buSzPts val="1000"/>
-              <a:buFont typeface="Symbol" panose="05050102010706020507" pitchFamily="18" charset="2"/>
-              <a:buChar char="¨"/>
-              <a:tabLst/>
-            </a:pPr>
-            <a:r>
-              <a:rPr kumimoji="0" lang="en-US" altLang="en-US" sz="5400" b="0" i="0" u="none" strike="noStrike" cap="none" normalizeH="0" baseline="0" dirty="0">
-                <a:ln>
-                  <a:noFill/>
-                </a:ln>
-                <a:solidFill>
-                  <a:srgbClr val="000000"/>
-                </a:solidFill>
-                <a:effectLst/>
-                <a:latin typeface="Garamond" panose="02020404030301010803" pitchFamily="18" charset="0"/>
-              </a:rPr>
-              <a:t>Define the Interactions by the Parameters of the Components</a:t>
-            </a:r>
-          </a:p>
-          <a:p>
-            <a:pPr marL="0" marR="0" lvl="0" indent="0" algn="l" defTabSz="914400" rtl="0" eaLnBrk="0" fontAlgn="base" latinLnBrk="0" hangingPunct="0">
-              <a:lnSpc>
-                <a:spcPct val="100000"/>
-              </a:lnSpc>
-              <a:spcBef>
-                <a:spcPct val="0"/>
-              </a:spcBef>
-              <a:spcAft>
-                <a:spcPct val="0"/>
-              </a:spcAft>
-              <a:buClrTx/>
-              <a:buSzPts val="1000"/>
-              <a:buFont typeface="Symbol" panose="05050102010706020507" pitchFamily="18" charset="2"/>
-              <a:buChar char="à"/>
-              <a:tabLst/>
-            </a:pPr>
-            <a:r>
-              <a:rPr kumimoji="0" lang="en-US" altLang="en-US" sz="5400" b="0" i="0" u="none" strike="noStrike" cap="none" normalizeH="0" baseline="0" dirty="0">
-                <a:ln>
-                  <a:noFill/>
-                </a:ln>
-                <a:solidFill>
-                  <a:srgbClr val="000000"/>
-                </a:solidFill>
-                <a:effectLst/>
-                <a:latin typeface="Garamond" panose="02020404030301010803" pitchFamily="18" charset="0"/>
-              </a:rPr>
-              <a:t>Air Gap</a:t>
-            </a:r>
-          </a:p>
-          <a:p>
-            <a:pPr marL="0" marR="0" lvl="0" indent="0" algn="l" defTabSz="914400" rtl="0" eaLnBrk="0" fontAlgn="base" latinLnBrk="0" hangingPunct="0">
-              <a:lnSpc>
-                <a:spcPct val="100000"/>
-              </a:lnSpc>
-              <a:spcBef>
-                <a:spcPct val="0"/>
-              </a:spcBef>
-              <a:spcAft>
-                <a:spcPct val="0"/>
-              </a:spcAft>
-              <a:buClrTx/>
-              <a:buSzPts val="1000"/>
-              <a:buFont typeface="Symbol" panose="05050102010706020507" pitchFamily="18" charset="2"/>
-              <a:buChar char="à"/>
-              <a:tabLst/>
-            </a:pPr>
-            <a:r>
-              <a:rPr kumimoji="0" lang="en-US" altLang="en-US" sz="5400" b="0" i="0" u="none" strike="noStrike" cap="none" normalizeH="0" baseline="0" dirty="0">
-                <a:ln>
-                  <a:noFill/>
-                </a:ln>
-                <a:solidFill>
-                  <a:srgbClr val="000000"/>
-                </a:solidFill>
-                <a:effectLst/>
-                <a:latin typeface="Garamond" panose="02020404030301010803" pitchFamily="18" charset="0"/>
-              </a:rPr>
-              <a:t>Magnetic Flux Density and Field Intensity</a:t>
-            </a:r>
-          </a:p>
-          <a:p>
-            <a:pPr marL="0" marR="0" lvl="0" indent="0" algn="l" defTabSz="914400" rtl="0" eaLnBrk="0" fontAlgn="base" latinLnBrk="0" hangingPunct="0">
-              <a:lnSpc>
-                <a:spcPct val="100000"/>
-              </a:lnSpc>
-              <a:spcBef>
-                <a:spcPct val="0"/>
-              </a:spcBef>
-              <a:spcAft>
-                <a:spcPct val="0"/>
-              </a:spcAft>
-              <a:buClrTx/>
-              <a:buSzPts val="1000"/>
-              <a:buFont typeface="Symbol" panose="05050102010706020507" pitchFamily="18" charset="2"/>
-              <a:buChar char="à"/>
-              <a:tabLst/>
-            </a:pPr>
-            <a:r>
-              <a:rPr kumimoji="0" lang="en-US" altLang="en-US" sz="5400" b="0" i="0" u="none" strike="noStrike" cap="none" normalizeH="0" baseline="0" dirty="0">
-                <a:ln>
-                  <a:noFill/>
-                </a:ln>
-                <a:solidFill>
-                  <a:srgbClr val="000000"/>
-                </a:solidFill>
-                <a:effectLst/>
-                <a:latin typeface="Garamond" panose="02020404030301010803" pitchFamily="18" charset="0"/>
-              </a:rPr>
-              <a:t>Modified Winding Theory</a:t>
-            </a:r>
-          </a:p>
-          <a:p>
-            <a:pPr marL="0" marR="0" lvl="0" indent="0" algn="l" defTabSz="914400" rtl="0" eaLnBrk="0" fontAlgn="base" latinLnBrk="0" hangingPunct="0">
-              <a:lnSpc>
-                <a:spcPct val="100000"/>
-              </a:lnSpc>
-              <a:spcBef>
-                <a:spcPct val="0"/>
-              </a:spcBef>
-              <a:spcAft>
-                <a:spcPct val="0"/>
-              </a:spcAft>
-              <a:buClrTx/>
-              <a:buSzPts val="1000"/>
-              <a:buFont typeface="Symbol" panose="05050102010706020507" pitchFamily="18" charset="2"/>
-              <a:buChar char="à"/>
-              <a:tabLst/>
-            </a:pPr>
-            <a:r>
-              <a:rPr kumimoji="0" lang="en-US" altLang="en-US" sz="5400" b="0" i="0" u="none" strike="noStrike" cap="none" normalizeH="0" baseline="0" dirty="0">
-                <a:ln>
-                  <a:noFill/>
-                </a:ln>
-                <a:solidFill>
-                  <a:srgbClr val="000000"/>
-                </a:solidFill>
-                <a:effectLst/>
-                <a:latin typeface="Garamond" panose="02020404030301010803" pitchFamily="18" charset="0"/>
-              </a:rPr>
-              <a:t>Composite Loss Factor</a:t>
-            </a:r>
-          </a:p>
-          <a:p>
-            <a:pPr marL="0" marR="0" lvl="0" indent="0" algn="l" defTabSz="914400" rtl="0" eaLnBrk="0" fontAlgn="base" latinLnBrk="0" hangingPunct="0">
-              <a:lnSpc>
-                <a:spcPct val="100000"/>
-              </a:lnSpc>
-              <a:spcBef>
-                <a:spcPct val="0"/>
-              </a:spcBef>
-              <a:spcAft>
-                <a:spcPct val="0"/>
-              </a:spcAft>
-              <a:buClrTx/>
-              <a:buSzPts val="1000"/>
-              <a:buFont typeface="Symbol" panose="05050102010706020507" pitchFamily="18" charset="2"/>
-              <a:buChar char="à"/>
-              <a:tabLst/>
-            </a:pPr>
-            <a:r>
-              <a:rPr kumimoji="0" lang="en-US" altLang="en-US" sz="5400" b="0" i="0" u="none" strike="noStrike" cap="none" normalizeH="0" baseline="0" dirty="0">
-                <a:ln>
-                  <a:noFill/>
-                </a:ln>
-                <a:solidFill>
-                  <a:srgbClr val="000000"/>
-                </a:solidFill>
-                <a:effectLst/>
-                <a:latin typeface="Garamond" panose="02020404030301010803" pitchFamily="18" charset="0"/>
-              </a:rPr>
-              <a:t>Air Gap Energy</a:t>
-            </a:r>
-          </a:p>
-          <a:p>
-            <a:pPr marL="0" marR="0" lvl="0" indent="0" algn="l" defTabSz="914400" rtl="0" eaLnBrk="0" fontAlgn="base" latinLnBrk="0" hangingPunct="0">
-              <a:lnSpc>
-                <a:spcPct val="100000"/>
-              </a:lnSpc>
-              <a:spcBef>
-                <a:spcPct val="0"/>
-              </a:spcBef>
-              <a:spcAft>
-                <a:spcPct val="0"/>
-              </a:spcAft>
-              <a:buClrTx/>
-              <a:buSzPts val="1000"/>
-              <a:buFont typeface="Symbol" panose="05050102010706020507" pitchFamily="18" charset="2"/>
-              <a:buChar char="à"/>
-              <a:tabLst/>
-            </a:pPr>
-            <a:r>
-              <a:rPr kumimoji="0" lang="en-US" altLang="en-US" sz="5400" b="0" i="0" u="none" strike="noStrike" cap="none" normalizeH="0" baseline="0" dirty="0">
-                <a:ln>
-                  <a:noFill/>
-                </a:ln>
-                <a:solidFill>
-                  <a:srgbClr val="000000"/>
-                </a:solidFill>
-                <a:effectLst/>
-                <a:latin typeface="Garamond" panose="02020404030301010803" pitchFamily="18" charset="0"/>
-              </a:rPr>
-              <a:t>Torque Production</a:t>
-            </a:r>
-          </a:p>
-          <a:p>
-            <a:pPr marL="0" marR="0" lvl="0" indent="0" algn="l" defTabSz="914400" rtl="0" eaLnBrk="0" fontAlgn="base" latinLnBrk="0" hangingPunct="0">
-              <a:lnSpc>
-                <a:spcPct val="100000"/>
-              </a:lnSpc>
-              <a:spcBef>
-                <a:spcPct val="0"/>
-              </a:spcBef>
-              <a:spcAft>
-                <a:spcPct val="0"/>
-              </a:spcAft>
-              <a:buClrTx/>
-              <a:buSzPts val="1000"/>
-              <a:buFont typeface="Symbol" panose="05050102010706020507" pitchFamily="18" charset="2"/>
-              <a:buChar char="à"/>
-              <a:tabLst/>
-            </a:pPr>
-            <a:r>
-              <a:rPr kumimoji="0" lang="en-US" altLang="en-US" sz="5400" b="0" i="0" u="none" strike="noStrike" cap="none" normalizeH="0" baseline="0" dirty="0">
-                <a:ln>
-                  <a:noFill/>
-                </a:ln>
-                <a:solidFill>
-                  <a:srgbClr val="000000"/>
-                </a:solidFill>
-                <a:effectLst/>
-                <a:latin typeface="Garamond" panose="02020404030301010803" pitchFamily="18" charset="0"/>
-              </a:rPr>
-              <a:t>Rotational Dynamics </a:t>
-            </a:r>
-          </a:p>
-          <a:p>
-            <a:pPr marL="0" marR="0" lvl="0" indent="0" algn="l" defTabSz="914400" rtl="0" eaLnBrk="0" fontAlgn="base" latinLnBrk="0" hangingPunct="0">
-              <a:lnSpc>
-                <a:spcPct val="100000"/>
-              </a:lnSpc>
-              <a:spcBef>
-                <a:spcPct val="0"/>
-              </a:spcBef>
-              <a:spcAft>
-                <a:spcPct val="0"/>
-              </a:spcAft>
-              <a:buClrTx/>
-              <a:buSzPts val="1000"/>
-              <a:buFont typeface="Symbol" panose="05050102010706020507" pitchFamily="18" charset="2"/>
-              <a:buChar char="à"/>
-              <a:tabLst/>
-            </a:pPr>
-            <a:r>
-              <a:rPr kumimoji="0" lang="en-US" altLang="en-US" sz="5400" b="0" i="0" u="none" strike="noStrike" cap="none" normalizeH="0" baseline="0" dirty="0">
-                <a:ln>
-                  <a:noFill/>
-                </a:ln>
-                <a:solidFill>
-                  <a:srgbClr val="000000"/>
-                </a:solidFill>
-                <a:effectLst/>
-                <a:latin typeface="Garamond" panose="02020404030301010803" pitchFamily="18" charset="0"/>
-              </a:rPr>
-              <a:t>Radial Dynamics</a:t>
-            </a:r>
-          </a:p>
-          <a:p>
-            <a:pPr marL="0" marR="0" lvl="0" indent="0" algn="l" defTabSz="914400" rtl="0" eaLnBrk="0" fontAlgn="base" latinLnBrk="0" hangingPunct="0">
-              <a:lnSpc>
-                <a:spcPct val="100000"/>
-              </a:lnSpc>
-              <a:spcBef>
-                <a:spcPct val="0"/>
-              </a:spcBef>
-              <a:spcAft>
-                <a:spcPct val="0"/>
-              </a:spcAft>
-              <a:buClrTx/>
-              <a:buSzTx/>
-              <a:buFontTx/>
-              <a:buNone/>
-              <a:tabLst/>
-            </a:pPr>
-            <a:endParaRPr kumimoji="0" lang="en-US" altLang="en-US" sz="1500" b="0" i="0" u="none" strike="noStrike" cap="none" normalizeH="0" baseline="0" dirty="0">
-              <a:ln>
-                <a:noFill/>
-              </a:ln>
-              <a:solidFill>
-                <a:srgbClr val="000000"/>
-              </a:solidFill>
-              <a:effectLst/>
-              <a:latin typeface="Garamond" panose="02020404030301010803" pitchFamily="18" charset="0"/>
-            </a:endParaRPr>
-          </a:p>
-          <a:p>
-            <a:pPr marL="0" marR="0" lvl="0" indent="0" algn="l" defTabSz="914400" rtl="0" eaLnBrk="0" fontAlgn="base" latinLnBrk="0" hangingPunct="0">
-              <a:lnSpc>
-                <a:spcPct val="100000"/>
-              </a:lnSpc>
-              <a:spcBef>
-                <a:spcPct val="0"/>
-              </a:spcBef>
-              <a:spcAft>
-                <a:spcPct val="0"/>
-              </a:spcAft>
-              <a:buClrTx/>
-              <a:buSzTx/>
-              <a:buFontTx/>
-              <a:buNone/>
-              <a:tabLst/>
-            </a:pPr>
-            <a:r>
-              <a:rPr kumimoji="0" lang="en-US" altLang="en-US" sz="1500" b="0" i="0" u="none" strike="noStrike" cap="none" normalizeH="0" baseline="0" dirty="0">
-                <a:ln>
-                  <a:noFill/>
-                </a:ln>
-                <a:solidFill>
-                  <a:srgbClr val="000000"/>
-                </a:solidFill>
-                <a:effectLst/>
-                <a:latin typeface="Garamond" panose="02020404030301010803" pitchFamily="18" charset="0"/>
-              </a:rPr>
-              <a:t>	</a:t>
-            </a:r>
-            <a:endParaRPr kumimoji="0" lang="en-US" altLang="en-US" sz="1800" b="0" i="0" u="none" strike="noStrike" cap="none" normalizeH="0" baseline="0" dirty="0">
-              <a:ln>
-                <a:noFill/>
-              </a:ln>
-              <a:solidFill>
-                <a:schemeClr val="tx1"/>
-              </a:solidFill>
-              <a:effectLst/>
-              <a:latin typeface="Arial" panose="020B0604020202020204" pitchFamily="34" charset="0"/>
-            </a:endParaRPr>
-          </a:p>
-        </p:txBody>
-      </p:sp>
+      </p:pic>
     </p:spTree>
     <p:extLst>
       <p:ext uri="{BB962C8B-B14F-4D97-AF65-F5344CB8AC3E}">
@@ -5125,6 +4967,13 @@
   <p:clrMapOvr>
     <a:masterClrMapping/>
   </p:clrMapOvr>
+  <p:timing>
+    <p:tnLst>
+      <p:par>
+        <p:cTn id="1" dur="indefinite" restart="never" nodeType="tmRoot"/>
+      </p:par>
+    </p:tnLst>
+  </p:timing>
 </p:sld>
 </file>
 
@@ -5383,7 +5232,7 @@
   <a:extraClrSchemeLst/>
   <a:extLst>
     <a:ext uri="{05A4C25C-085E-4340-85A3-A5531E510DB2}">
-      <thm15:themeFamily xmlns:thm15="http://schemas.microsoft.com/office/thememl/2012/main" name="Office Theme" id="{62F939B6-93AF-4DB8-9C6B-D6C7DFDC589F}" vid="{4A3C46E8-61CC-4603-A589-7422A47A8E4A}"/>
+      <thm15:themeFamily xmlns:thm15="http://schemas.microsoft.com/office/thememl/2012/main" xmlns="" name="Office Theme" id="{62F939B6-93AF-4DB8-9C6B-D6C7DFDC589F}" vid="{4A3C46E8-61CC-4603-A589-7422A47A8E4A}"/>
     </a:ext>
   </a:extLst>
 </a:theme>
